--- a/slides/Lecture_02_TypesOfModels.pptx
+++ b/slides/Lecture_02_TypesOfModels.pptx
@@ -16,8 +16,8 @@
     <p:sldId id="265" r:id="rId7"/>
     <p:sldId id="266" r:id="rId8"/>
     <p:sldId id="267" r:id="rId9"/>
-    <p:sldId id="268" r:id="rId10"/>
-    <p:sldId id="269" r:id="rId11"/>
+    <p:sldId id="269" r:id="rId10"/>
+    <p:sldId id="268" r:id="rId11"/>
     <p:sldId id="270" r:id="rId12"/>
     <p:sldId id="271" r:id="rId13"/>
     <p:sldId id="273" r:id="rId14"/>
@@ -215,7 +215,7 @@
           <a:p>
             <a:fld id="{3DC337CA-0922-4662-B6B2-6DB4351F42C4}" type="datetimeFigureOut">
               <a:rPr lang="en-GB" smtClean="0"/>
-              <a:t>16/04/2023</a:t>
+              <a:t>01/09/2024</a:t>
             </a:fld>
             <a:endParaRPr lang="en-GB"/>
           </a:p>
@@ -3124,66 +3124,68 @@
       </p:sp>
       <p:sp>
         <p:nvSpPr>
-          <p:cNvPr id="11" name="TextBox 10">
-            <a:extLst>
-              <a:ext uri="{FF2B5EF4-FFF2-40B4-BE49-F238E27FC236}">
-                <a16:creationId xmlns:a16="http://schemas.microsoft.com/office/drawing/2014/main" id="{4E94FC6A-7F29-8D62-9F4E-AC83562DB583}"/>
-              </a:ext>
-            </a:extLst>
-          </p:cNvPr>
-          <p:cNvSpPr txBox="1"/>
+          <p:cNvPr id="2" name="Oval 1">
+            <a:extLst>
+              <a:ext uri="{FF2B5EF4-FFF2-40B4-BE49-F238E27FC236}">
+                <a16:creationId xmlns:a16="http://schemas.microsoft.com/office/drawing/2014/main" id="{5344B191-F713-B5EC-8888-838CF90A96D5}"/>
+              </a:ext>
+            </a:extLst>
+          </p:cNvPr>
+          <p:cNvSpPr/>
           <p:nvPr/>
         </p:nvSpPr>
         <p:spPr>
           <a:xfrm>
-            <a:off x="2843982" y="4054793"/>
-            <a:ext cx="3015530" cy="2585323"/>
-          </a:xfrm>
-          <a:prstGeom prst="rect">
+            <a:off x="3204209" y="3102805"/>
+            <a:ext cx="525780" cy="525780"/>
+          </a:xfrm>
+          <a:prstGeom prst="ellipse">
             <a:avLst/>
           </a:prstGeom>
           <a:solidFill>
-            <a:schemeClr val="accent1">
-              <a:lumMod val="20000"/>
-              <a:lumOff val="80000"/>
+            <a:schemeClr val="accent4">
+              <a:lumMod val="40000"/>
+              <a:lumOff val="60000"/>
             </a:schemeClr>
           </a:solidFill>
-        </p:spPr>
-        <p:txBody>
-          <a:bodyPr wrap="square" rtlCol="0">
-            <a:spAutoFit/>
-          </a:bodyPr>
-          <a:lstStyle/>
-          <a:p>
-            <a:r>
-              <a:rPr lang="en-US" b="1" dirty="0"/>
-              <a:t>Individual-based model (IBM)</a:t>
-            </a:r>
-            <a:br>
-              <a:rPr lang="en-US" b="1" dirty="0"/>
-            </a:br>
-            <a:endParaRPr lang="en-US" b="1" dirty="0"/>
-          </a:p>
-          <a:p>
-            <a:r>
-              <a:rPr lang="en-US" dirty="0"/>
-              <a:t>Extends structure by tracking each individual, each with their own spatial and epidemiological characteristics</a:t>
-            </a:r>
-          </a:p>
-          <a:p>
-            <a:endParaRPr lang="en-US" dirty="0"/>
-          </a:p>
-          <a:p>
-            <a:endParaRPr lang="en-US" dirty="0"/>
-          </a:p>
-        </p:txBody>
-      </p:sp>
-      <p:sp>
-        <p:nvSpPr>
-          <p:cNvPr id="2" name="Oval 1">
-            <a:extLst>
-              <a:ext uri="{FF2B5EF4-FFF2-40B4-BE49-F238E27FC236}">
-                <a16:creationId xmlns:a16="http://schemas.microsoft.com/office/drawing/2014/main" id="{6D6768F6-9D6F-BB91-6279-6F2FF1579116}"/>
+          <a:effectLst/>
+        </p:spPr>
+        <p:style>
+          <a:lnRef idx="1">
+            <a:schemeClr val="accent1"/>
+          </a:lnRef>
+          <a:fillRef idx="3">
+            <a:schemeClr val="accent1"/>
+          </a:fillRef>
+          <a:effectRef idx="2">
+            <a:schemeClr val="accent1"/>
+          </a:effectRef>
+          <a:fontRef idx="minor">
+            <a:schemeClr val="lt1"/>
+          </a:fontRef>
+        </p:style>
+        <p:txBody>
+          <a:bodyPr rtlCol="0" anchor="ctr"/>
+          <a:lstStyle/>
+          <a:p>
+            <a:pPr algn="ctr"/>
+            <a:r>
+              <a:rPr lang="en-US" dirty="0">
+                <a:solidFill>
+                  <a:sysClr val="windowText" lastClr="000000"/>
+                </a:solidFill>
+              </a:rPr>
+              <a:t>I</a:t>
+            </a:r>
+          </a:p>
+        </p:txBody>
+      </p:sp>
+      <p:sp>
+        <p:nvSpPr>
+          <p:cNvPr id="5" name="Oval 4">
+            <a:extLst>
+              <a:ext uri="{FF2B5EF4-FFF2-40B4-BE49-F238E27FC236}">
+                <a16:creationId xmlns:a16="http://schemas.microsoft.com/office/drawing/2014/main" id="{28148645-C26A-574B-8523-58D76AEB45C3}"/>
               </a:ext>
             </a:extLst>
           </p:cNvPr>
@@ -3192,7 +3194,233 @@
         </p:nvSpPr>
         <p:spPr>
           <a:xfrm>
-            <a:off x="1215391" y="1524711"/>
+            <a:off x="4213859" y="2043625"/>
+            <a:ext cx="525780" cy="525780"/>
+          </a:xfrm>
+          <a:prstGeom prst="ellipse">
+            <a:avLst/>
+          </a:prstGeom>
+          <a:solidFill>
+            <a:schemeClr val="accent4">
+              <a:lumMod val="40000"/>
+              <a:lumOff val="60000"/>
+            </a:schemeClr>
+          </a:solidFill>
+          <a:effectLst/>
+        </p:spPr>
+        <p:style>
+          <a:lnRef idx="1">
+            <a:schemeClr val="accent1"/>
+          </a:lnRef>
+          <a:fillRef idx="3">
+            <a:schemeClr val="accent1"/>
+          </a:fillRef>
+          <a:effectRef idx="2">
+            <a:schemeClr val="accent1"/>
+          </a:effectRef>
+          <a:fontRef idx="minor">
+            <a:schemeClr val="lt1"/>
+          </a:fontRef>
+        </p:style>
+        <p:txBody>
+          <a:bodyPr rtlCol="0" anchor="ctr"/>
+          <a:lstStyle/>
+          <a:p>
+            <a:pPr algn="ctr"/>
+            <a:r>
+              <a:rPr lang="en-US" dirty="0">
+                <a:solidFill>
+                  <a:sysClr val="windowText" lastClr="000000"/>
+                </a:solidFill>
+              </a:rPr>
+              <a:t>I</a:t>
+            </a:r>
+          </a:p>
+        </p:txBody>
+      </p:sp>
+      <p:sp>
+        <p:nvSpPr>
+          <p:cNvPr id="13" name="Oval 12">
+            <a:extLst>
+              <a:ext uri="{FF2B5EF4-FFF2-40B4-BE49-F238E27FC236}">
+                <a16:creationId xmlns:a16="http://schemas.microsoft.com/office/drawing/2014/main" id="{770EE0D0-8E6E-A54D-0DCA-15917578F26A}"/>
+              </a:ext>
+            </a:extLst>
+          </p:cNvPr>
+          <p:cNvSpPr/>
+          <p:nvPr/>
+        </p:nvSpPr>
+        <p:spPr>
+          <a:xfrm>
+            <a:off x="5227319" y="2839915"/>
+            <a:ext cx="525780" cy="525780"/>
+          </a:xfrm>
+          <a:prstGeom prst="ellipse">
+            <a:avLst/>
+          </a:prstGeom>
+          <a:solidFill>
+            <a:srgbClr val="00B050"/>
+          </a:solidFill>
+          <a:effectLst/>
+        </p:spPr>
+        <p:style>
+          <a:lnRef idx="1">
+            <a:schemeClr val="accent1"/>
+          </a:lnRef>
+          <a:fillRef idx="3">
+            <a:schemeClr val="accent1"/>
+          </a:fillRef>
+          <a:effectRef idx="2">
+            <a:schemeClr val="accent1"/>
+          </a:effectRef>
+          <a:fontRef idx="minor">
+            <a:schemeClr val="lt1"/>
+          </a:fontRef>
+        </p:style>
+        <p:txBody>
+          <a:bodyPr rtlCol="0" anchor="ctr"/>
+          <a:lstStyle/>
+          <a:p>
+            <a:pPr algn="ctr"/>
+            <a:r>
+              <a:rPr lang="en-US" dirty="0">
+                <a:solidFill>
+                  <a:sysClr val="windowText" lastClr="000000"/>
+                </a:solidFill>
+              </a:rPr>
+              <a:t>S</a:t>
+            </a:r>
+          </a:p>
+        </p:txBody>
+      </p:sp>
+      <p:sp>
+        <p:nvSpPr>
+          <p:cNvPr id="14" name="Oval 13">
+            <a:extLst>
+              <a:ext uri="{FF2B5EF4-FFF2-40B4-BE49-F238E27FC236}">
+                <a16:creationId xmlns:a16="http://schemas.microsoft.com/office/drawing/2014/main" id="{D98EAE11-FABD-8CB8-C16F-C4A2BCAB6090}"/>
+              </a:ext>
+            </a:extLst>
+          </p:cNvPr>
+          <p:cNvSpPr/>
+          <p:nvPr/>
+        </p:nvSpPr>
+        <p:spPr>
+          <a:xfrm>
+            <a:off x="4198620" y="3365695"/>
+            <a:ext cx="525780" cy="525780"/>
+          </a:xfrm>
+          <a:prstGeom prst="ellipse">
+            <a:avLst/>
+          </a:prstGeom>
+          <a:solidFill>
+            <a:schemeClr val="accent3">
+              <a:lumMod val="40000"/>
+              <a:lumOff val="60000"/>
+            </a:schemeClr>
+          </a:solidFill>
+          <a:effectLst/>
+        </p:spPr>
+        <p:style>
+          <a:lnRef idx="1">
+            <a:schemeClr val="accent1"/>
+          </a:lnRef>
+          <a:fillRef idx="3">
+            <a:schemeClr val="accent1"/>
+          </a:fillRef>
+          <a:effectRef idx="2">
+            <a:schemeClr val="accent1"/>
+          </a:effectRef>
+          <a:fontRef idx="minor">
+            <a:schemeClr val="lt1"/>
+          </a:fontRef>
+        </p:style>
+        <p:txBody>
+          <a:bodyPr rtlCol="0" anchor="ctr"/>
+          <a:lstStyle/>
+          <a:p>
+            <a:pPr algn="ctr"/>
+            <a:r>
+              <a:rPr lang="en-US" dirty="0">
+                <a:solidFill>
+                  <a:sysClr val="windowText" lastClr="000000"/>
+                </a:solidFill>
+              </a:rPr>
+              <a:t>R</a:t>
+            </a:r>
+          </a:p>
+        </p:txBody>
+      </p:sp>
+      <p:sp>
+        <p:nvSpPr>
+          <p:cNvPr id="15" name="Oval 14">
+            <a:extLst>
+              <a:ext uri="{FF2B5EF4-FFF2-40B4-BE49-F238E27FC236}">
+                <a16:creationId xmlns:a16="http://schemas.microsoft.com/office/drawing/2014/main" id="{63F71382-20F5-097B-1F69-5307EB4BE8EC}"/>
+              </a:ext>
+            </a:extLst>
+          </p:cNvPr>
+          <p:cNvSpPr/>
+          <p:nvPr/>
+        </p:nvSpPr>
+        <p:spPr>
+          <a:xfrm>
+            <a:off x="5932170" y="4118289"/>
+            <a:ext cx="525780" cy="525780"/>
+          </a:xfrm>
+          <a:prstGeom prst="ellipse">
+            <a:avLst/>
+          </a:prstGeom>
+          <a:solidFill>
+            <a:srgbClr val="00B050"/>
+          </a:solidFill>
+          <a:effectLst/>
+        </p:spPr>
+        <p:style>
+          <a:lnRef idx="1">
+            <a:schemeClr val="accent1"/>
+          </a:lnRef>
+          <a:fillRef idx="3">
+            <a:schemeClr val="accent1"/>
+          </a:fillRef>
+          <a:effectRef idx="2">
+            <a:schemeClr val="accent1"/>
+          </a:effectRef>
+          <a:fontRef idx="minor">
+            <a:schemeClr val="lt1"/>
+          </a:fontRef>
+        </p:style>
+        <p:txBody>
+          <a:bodyPr rtlCol="0" anchor="ctr"/>
+          <a:lstStyle/>
+          <a:p>
+            <a:pPr algn="ctr"/>
+            <a:r>
+              <a:rPr lang="en-US" dirty="0">
+                <a:solidFill>
+                  <a:sysClr val="windowText" lastClr="000000"/>
+                </a:solidFill>
+              </a:rPr>
+              <a:t>S</a:t>
+            </a:r>
+          </a:p>
+        </p:txBody>
+      </p:sp>
+      <p:sp>
+        <p:nvSpPr>
+          <p:cNvPr id="16" name="Oval 15">
+            <a:extLst>
+              <a:ext uri="{FF2B5EF4-FFF2-40B4-BE49-F238E27FC236}">
+                <a16:creationId xmlns:a16="http://schemas.microsoft.com/office/drawing/2014/main" id="{4E0845D1-FE6B-06F3-83EA-B865390ABEA9}"/>
+              </a:ext>
+            </a:extLst>
+          </p:cNvPr>
+          <p:cNvSpPr/>
+          <p:nvPr/>
+        </p:nvSpPr>
+        <p:spPr>
+          <a:xfrm>
+            <a:off x="2842260" y="1632856"/>
             <a:ext cx="525780" cy="525780"/>
           </a:xfrm>
           <a:prstGeom prst="ellipse">
@@ -3233,17 +3461,17 @@
                   <a:sysClr val="windowText" lastClr="000000"/>
                 </a:solidFill>
               </a:rPr>
-              <a:t>1.</a:t>
-            </a:r>
-          </a:p>
-        </p:txBody>
-      </p:sp>
-      <p:sp>
-        <p:nvSpPr>
-          <p:cNvPr id="5" name="Oval 4">
-            <a:extLst>
-              <a:ext uri="{FF2B5EF4-FFF2-40B4-BE49-F238E27FC236}">
-                <a16:creationId xmlns:a16="http://schemas.microsoft.com/office/drawing/2014/main" id="{E548F245-CC7D-C05D-D9EB-E1A9D7E6C8E3}"/>
+              <a:t>S</a:t>
+            </a:r>
+          </a:p>
+        </p:txBody>
+      </p:sp>
+      <p:sp>
+        <p:nvSpPr>
+          <p:cNvPr id="17" name="Oval 16">
+            <a:extLst>
+              <a:ext uri="{FF2B5EF4-FFF2-40B4-BE49-F238E27FC236}">
+                <a16:creationId xmlns:a16="http://schemas.microsoft.com/office/drawing/2014/main" id="{241B1D29-BB27-B210-9659-8695E35B8B11}"/>
               </a:ext>
             </a:extLst>
           </p:cNvPr>
@@ -3252,20 +3480,18 @@
         </p:nvSpPr>
         <p:spPr>
           <a:xfrm>
-            <a:off x="1215391" y="2338262"/>
-            <a:ext cx="525780" cy="492204"/>
+            <a:off x="5932170" y="1632856"/>
+            <a:ext cx="525780" cy="525780"/>
           </a:xfrm>
           <a:prstGeom prst="ellipse">
             <a:avLst/>
           </a:prstGeom>
           <a:solidFill>
-            <a:srgbClr val="00B050"/>
+            <a:schemeClr val="accent4">
+              <a:lumMod val="40000"/>
+              <a:lumOff val="60000"/>
+            </a:schemeClr>
           </a:solidFill>
-          <a:ln>
-            <a:solidFill>
-              <a:schemeClr val="accent1"/>
-            </a:solidFill>
-          </a:ln>
           <a:effectLst/>
         </p:spPr>
         <p:style>
@@ -3293,17 +3519,274 @@
                   <a:sysClr val="windowText" lastClr="000000"/>
                 </a:solidFill>
               </a:rPr>
-              <a:t>2.</a:t>
-            </a:r>
-          </a:p>
-        </p:txBody>
-      </p:sp>
-      <p:sp>
-        <p:nvSpPr>
-          <p:cNvPr id="13" name="TextBox 12">
-            <a:extLst>
-              <a:ext uri="{FF2B5EF4-FFF2-40B4-BE49-F238E27FC236}">
-                <a16:creationId xmlns:a16="http://schemas.microsoft.com/office/drawing/2014/main" id="{816569EC-92A1-51AD-BBD8-F5F90ABF5C75}"/>
+              <a:t>I</a:t>
+            </a:r>
+          </a:p>
+        </p:txBody>
+      </p:sp>
+      <p:cxnSp>
+        <p:nvCxnSpPr>
+          <p:cNvPr id="20" name="Straight Arrow Connector 19">
+            <a:extLst>
+              <a:ext uri="{FF2B5EF4-FFF2-40B4-BE49-F238E27FC236}">
+                <a16:creationId xmlns:a16="http://schemas.microsoft.com/office/drawing/2014/main" id="{881E53AF-1B1E-944B-B3DC-C17BC8CAF15A}"/>
+              </a:ext>
+            </a:extLst>
+          </p:cNvPr>
+          <p:cNvCxnSpPr>
+            <a:cxnSpLocks/>
+            <a:stCxn id="14" idx="6"/>
+            <a:endCxn id="13" idx="3"/>
+          </p:cNvCxnSpPr>
+          <p:nvPr/>
+        </p:nvCxnSpPr>
+        <p:spPr>
+          <a:xfrm flipV="1">
+            <a:off x="4724400" y="3288696"/>
+            <a:ext cx="579918" cy="339889"/>
+          </a:xfrm>
+          <a:prstGeom prst="straightConnector1">
+            <a:avLst/>
+          </a:prstGeom>
+          <a:ln>
+            <a:tailEnd type="triangle"/>
+          </a:ln>
+          <a:effectLst/>
+        </p:spPr>
+        <p:style>
+          <a:lnRef idx="2">
+            <a:schemeClr val="accent1"/>
+          </a:lnRef>
+          <a:fillRef idx="0">
+            <a:schemeClr val="accent1"/>
+          </a:fillRef>
+          <a:effectRef idx="1">
+            <a:schemeClr val="accent1"/>
+          </a:effectRef>
+          <a:fontRef idx="minor">
+            <a:schemeClr val="tx1"/>
+          </a:fontRef>
+        </p:style>
+      </p:cxnSp>
+      <p:cxnSp>
+        <p:nvCxnSpPr>
+          <p:cNvPr id="23" name="Straight Arrow Connector 22">
+            <a:extLst>
+              <a:ext uri="{FF2B5EF4-FFF2-40B4-BE49-F238E27FC236}">
+                <a16:creationId xmlns:a16="http://schemas.microsoft.com/office/drawing/2014/main" id="{DD534FE6-42C1-DC42-11C0-58F0C26213EB}"/>
+              </a:ext>
+            </a:extLst>
+          </p:cNvPr>
+          <p:cNvCxnSpPr>
+            <a:cxnSpLocks/>
+            <a:endCxn id="15" idx="0"/>
+          </p:cNvCxnSpPr>
+          <p:nvPr/>
+        </p:nvCxnSpPr>
+        <p:spPr>
+          <a:xfrm>
+            <a:off x="6195060" y="2145420"/>
+            <a:ext cx="0" cy="1972869"/>
+          </a:xfrm>
+          <a:prstGeom prst="straightConnector1">
+            <a:avLst/>
+          </a:prstGeom>
+          <a:ln>
+            <a:tailEnd type="triangle"/>
+          </a:ln>
+          <a:effectLst/>
+        </p:spPr>
+        <p:style>
+          <a:lnRef idx="2">
+            <a:schemeClr val="accent1"/>
+          </a:lnRef>
+          <a:fillRef idx="0">
+            <a:schemeClr val="accent1"/>
+          </a:fillRef>
+          <a:effectRef idx="1">
+            <a:schemeClr val="accent1"/>
+          </a:effectRef>
+          <a:fontRef idx="minor">
+            <a:schemeClr val="tx1"/>
+          </a:fontRef>
+        </p:style>
+      </p:cxnSp>
+      <p:cxnSp>
+        <p:nvCxnSpPr>
+          <p:cNvPr id="26" name="Straight Arrow Connector 25">
+            <a:extLst>
+              <a:ext uri="{FF2B5EF4-FFF2-40B4-BE49-F238E27FC236}">
+                <a16:creationId xmlns:a16="http://schemas.microsoft.com/office/drawing/2014/main" id="{E68FE10D-9B11-C662-DFAF-6A8A3A954B22}"/>
+              </a:ext>
+            </a:extLst>
+          </p:cNvPr>
+          <p:cNvCxnSpPr>
+            <a:cxnSpLocks/>
+            <a:stCxn id="14" idx="2"/>
+          </p:cNvCxnSpPr>
+          <p:nvPr/>
+        </p:nvCxnSpPr>
+        <p:spPr>
+          <a:xfrm flipH="1" flipV="1">
+            <a:off x="3729989" y="3458640"/>
+            <a:ext cx="468631" cy="169945"/>
+          </a:xfrm>
+          <a:prstGeom prst="straightConnector1">
+            <a:avLst/>
+          </a:prstGeom>
+          <a:ln>
+            <a:tailEnd type="triangle"/>
+          </a:ln>
+          <a:effectLst/>
+        </p:spPr>
+        <p:style>
+          <a:lnRef idx="2">
+            <a:schemeClr val="accent1"/>
+          </a:lnRef>
+          <a:fillRef idx="0">
+            <a:schemeClr val="accent1"/>
+          </a:fillRef>
+          <a:effectRef idx="1">
+            <a:schemeClr val="accent1"/>
+          </a:effectRef>
+          <a:fontRef idx="minor">
+            <a:schemeClr val="tx1"/>
+          </a:fontRef>
+        </p:style>
+      </p:cxnSp>
+      <p:cxnSp>
+        <p:nvCxnSpPr>
+          <p:cNvPr id="28" name="Straight Arrow Connector 27">
+            <a:extLst>
+              <a:ext uri="{FF2B5EF4-FFF2-40B4-BE49-F238E27FC236}">
+                <a16:creationId xmlns:a16="http://schemas.microsoft.com/office/drawing/2014/main" id="{486F3578-7D6B-11ED-F651-AB5EDAE66DFA}"/>
+              </a:ext>
+            </a:extLst>
+          </p:cNvPr>
+          <p:cNvCxnSpPr>
+            <a:cxnSpLocks/>
+          </p:cNvCxnSpPr>
+          <p:nvPr/>
+        </p:nvCxnSpPr>
+        <p:spPr>
+          <a:xfrm flipH="1" flipV="1">
+            <a:off x="3204209" y="2158636"/>
+            <a:ext cx="198118" cy="927323"/>
+          </a:xfrm>
+          <a:prstGeom prst="straightConnector1">
+            <a:avLst/>
+          </a:prstGeom>
+          <a:ln>
+            <a:tailEnd type="triangle"/>
+          </a:ln>
+          <a:effectLst/>
+        </p:spPr>
+        <p:style>
+          <a:lnRef idx="2">
+            <a:schemeClr val="accent1"/>
+          </a:lnRef>
+          <a:fillRef idx="0">
+            <a:schemeClr val="accent1"/>
+          </a:fillRef>
+          <a:effectRef idx="1">
+            <a:schemeClr val="accent1"/>
+          </a:effectRef>
+          <a:fontRef idx="minor">
+            <a:schemeClr val="tx1"/>
+          </a:fontRef>
+        </p:style>
+      </p:cxnSp>
+      <p:cxnSp>
+        <p:nvCxnSpPr>
+          <p:cNvPr id="30" name="Straight Arrow Connector 29">
+            <a:extLst>
+              <a:ext uri="{FF2B5EF4-FFF2-40B4-BE49-F238E27FC236}">
+                <a16:creationId xmlns:a16="http://schemas.microsoft.com/office/drawing/2014/main" id="{8A6B8B80-A1A2-BC1C-DC64-2FD1CB670448}"/>
+              </a:ext>
+            </a:extLst>
+          </p:cNvPr>
+          <p:cNvCxnSpPr>
+            <a:cxnSpLocks/>
+            <a:endCxn id="5" idx="3"/>
+          </p:cNvCxnSpPr>
+          <p:nvPr/>
+        </p:nvCxnSpPr>
+        <p:spPr>
+          <a:xfrm flipV="1">
+            <a:off x="3657595" y="2492406"/>
+            <a:ext cx="633263" cy="697764"/>
+          </a:xfrm>
+          <a:prstGeom prst="straightConnector1">
+            <a:avLst/>
+          </a:prstGeom>
+          <a:ln>
+            <a:tailEnd type="triangle"/>
+          </a:ln>
+          <a:effectLst/>
+        </p:spPr>
+        <p:style>
+          <a:lnRef idx="2">
+            <a:schemeClr val="accent1"/>
+          </a:lnRef>
+          <a:fillRef idx="0">
+            <a:schemeClr val="accent1"/>
+          </a:fillRef>
+          <a:effectRef idx="1">
+            <a:schemeClr val="accent1"/>
+          </a:effectRef>
+          <a:fontRef idx="minor">
+            <a:schemeClr val="tx1"/>
+          </a:fontRef>
+        </p:style>
+      </p:cxnSp>
+      <p:cxnSp>
+        <p:nvCxnSpPr>
+          <p:cNvPr id="32" name="Straight Arrow Connector 31">
+            <a:extLst>
+              <a:ext uri="{FF2B5EF4-FFF2-40B4-BE49-F238E27FC236}">
+                <a16:creationId xmlns:a16="http://schemas.microsoft.com/office/drawing/2014/main" id="{AAAF8A5A-069F-E9B4-19E7-B10C7197DF13}"/>
+              </a:ext>
+            </a:extLst>
+          </p:cNvPr>
+          <p:cNvCxnSpPr>
+            <a:cxnSpLocks/>
+          </p:cNvCxnSpPr>
+          <p:nvPr/>
+        </p:nvCxnSpPr>
+        <p:spPr>
+          <a:xfrm flipH="1">
+            <a:off x="5630381" y="2145420"/>
+            <a:ext cx="433234" cy="694495"/>
+          </a:xfrm>
+          <a:prstGeom prst="straightConnector1">
+            <a:avLst/>
+          </a:prstGeom>
+          <a:ln>
+            <a:tailEnd type="triangle"/>
+          </a:ln>
+          <a:effectLst/>
+        </p:spPr>
+        <p:style>
+          <a:lnRef idx="2">
+            <a:schemeClr val="accent1"/>
+          </a:lnRef>
+          <a:fillRef idx="0">
+            <a:schemeClr val="accent1"/>
+          </a:fillRef>
+          <a:effectRef idx="1">
+            <a:schemeClr val="accent1"/>
+          </a:effectRef>
+          <a:fontRef idx="minor">
+            <a:schemeClr val="tx1"/>
+          </a:fontRef>
+        </p:style>
+      </p:cxnSp>
+      <p:sp>
+        <p:nvSpPr>
+          <p:cNvPr id="12" name="TextBox 11">
+            <a:extLst>
+              <a:ext uri="{FF2B5EF4-FFF2-40B4-BE49-F238E27FC236}">
+                <a16:creationId xmlns:a16="http://schemas.microsoft.com/office/drawing/2014/main" id="{69A4B505-0DE1-1BFD-9D7C-3FBCBDCF5B17}"/>
               </a:ext>
             </a:extLst>
           </p:cNvPr>
@@ -3312,66 +3795,52 @@
         </p:nvSpPr>
         <p:spPr>
           <a:xfrm>
-            <a:off x="2274570" y="1524711"/>
-            <a:ext cx="6705600" cy="646331"/>
+            <a:off x="3126556" y="4054158"/>
+            <a:ext cx="2732955" cy="2585323"/>
           </a:xfrm>
           <a:prstGeom prst="rect">
             <a:avLst/>
           </a:prstGeom>
-          <a:noFill/>
-        </p:spPr>
-        <p:txBody>
-          <a:bodyPr wrap="square">
+          <a:solidFill>
+            <a:schemeClr val="accent3">
+              <a:lumMod val="20000"/>
+              <a:lumOff val="80000"/>
+            </a:schemeClr>
+          </a:solidFill>
+        </p:spPr>
+        <p:txBody>
+          <a:bodyPr wrap="square" rtlCol="0">
             <a:spAutoFit/>
           </a:bodyPr>
           <a:lstStyle/>
           <a:p>
             <a:r>
+              <a:rPr lang="en-US" b="1" dirty="0"/>
+              <a:t>Network model</a:t>
+            </a:r>
+            <a:br>
+              <a:rPr lang="en-US" b="1" dirty="0"/>
+            </a:br>
+            <a:br>
+              <a:rPr lang="en-US" b="1" dirty="0"/>
+            </a:br>
+            <a:r>
               <a:rPr lang="en-US" dirty="0"/>
-              <a:t>F 48.3y; became infected on day 16; has an incubation period of 5.2 days, will have mild symptoms and lose infectiousness after 8.6 days. </a:t>
-            </a:r>
-          </a:p>
-        </p:txBody>
-      </p:sp>
-      <p:sp>
-        <p:nvSpPr>
-          <p:cNvPr id="14" name="TextBox 13">
-            <a:extLst>
-              <a:ext uri="{FF2B5EF4-FFF2-40B4-BE49-F238E27FC236}">
-                <a16:creationId xmlns:a16="http://schemas.microsoft.com/office/drawing/2014/main" id="{4EBF0AD7-C759-9FF3-7F99-38BDDDEE6AF5}"/>
-              </a:ext>
-            </a:extLst>
-          </p:cNvPr>
-          <p:cNvSpPr txBox="1"/>
-          <p:nvPr/>
-        </p:nvSpPr>
-        <p:spPr>
-          <a:xfrm>
-            <a:off x="2274570" y="2261198"/>
-            <a:ext cx="6705600" cy="923330"/>
-          </a:xfrm>
-          <a:prstGeom prst="rect">
-            <a:avLst/>
-          </a:prstGeom>
-          <a:noFill/>
-        </p:spPr>
-        <p:txBody>
-          <a:bodyPr wrap="square">
-            <a:spAutoFit/>
-          </a:bodyPr>
-          <a:lstStyle/>
-          <a:p>
-            <a:r>
-              <a:rPr lang="en-US" dirty="0"/>
-              <a:t>M 15.9y; became infected on day 102; has an incubation period of 3.0 days, will be hospitalized in North London on day 106, discharged on day 108 and lose infectiousness 10.6 days later. </a:t>
-            </a:r>
+              <a:t>Adds structure to the individual-based model, where each individual is constrained by who they can transmit to</a:t>
+            </a:r>
+          </a:p>
+          <a:p>
+            <a:endParaRPr lang="en-US" dirty="0"/>
+          </a:p>
+          <a:p>
+            <a:endParaRPr lang="en-US" dirty="0"/>
           </a:p>
         </p:txBody>
       </p:sp>
     </p:spTree>
     <p:extLst>
       <p:ext uri="{BB962C8B-B14F-4D97-AF65-F5344CB8AC3E}">
-        <p14:creationId xmlns:p14="http://schemas.microsoft.com/office/powerpoint/2010/main" val="3742888972"/>
+        <p14:creationId xmlns:p14="http://schemas.microsoft.com/office/powerpoint/2010/main" val="3879909018"/>
       </p:ext>
     </p:extLst>
   </p:cSld>
@@ -3989,7 +4458,7 @@
         <p:spPr>
           <a:xfrm>
             <a:off x="233563" y="1321034"/>
-            <a:ext cx="2452487" cy="2585323"/>
+            <a:ext cx="2732956" cy="2585323"/>
           </a:xfrm>
           <a:prstGeom prst="rect">
             <a:avLst/>
@@ -4038,8 +4507,8 @@
         </p:nvSpPr>
         <p:spPr>
           <a:xfrm>
-            <a:off x="2843982" y="1326976"/>
-            <a:ext cx="3015530" cy="2585323"/>
+            <a:off x="3126556" y="1326976"/>
+            <a:ext cx="2732956" cy="2585323"/>
           </a:xfrm>
           <a:prstGeom prst="rect">
             <a:avLst/>
@@ -4075,9 +4544,6 @@
           <a:p>
             <a:endParaRPr lang="en-US" dirty="0"/>
           </a:p>
-          <a:p>
-            <a:endParaRPr lang="en-US" dirty="0"/>
-          </a:p>
         </p:txBody>
       </p:sp>
       <p:sp>
@@ -4148,8 +4614,8 @@
         </p:nvSpPr>
         <p:spPr>
           <a:xfrm>
-            <a:off x="244699" y="4054793"/>
-            <a:ext cx="2441351" cy="2585323"/>
+            <a:off x="3126556" y="4054158"/>
+            <a:ext cx="2732955" cy="2585323"/>
           </a:xfrm>
           <a:prstGeom prst="rect">
             <a:avLst/>
@@ -4179,8 +4645,14 @@
             </a:br>
             <a:r>
               <a:rPr lang="en-US" dirty="0"/>
-              <a:t>Elaborates on the idea of structure where each individual is constrained by who they can transmit to. This first introduces idea of “stochastic” dynamics</a:t>
-            </a:r>
+              <a:t>Adds structure to the individual-based model, where each individual is constrained by who they can transmit to</a:t>
+            </a:r>
+          </a:p>
+          <a:p>
+            <a:endParaRPr lang="en-US" dirty="0"/>
+          </a:p>
+          <a:p>
+            <a:endParaRPr lang="en-US" dirty="0"/>
           </a:p>
         </p:txBody>
       </p:sp>
@@ -4247,8 +4719,8 @@
         </p:nvSpPr>
         <p:spPr>
           <a:xfrm>
-            <a:off x="2843982" y="4054793"/>
-            <a:ext cx="3015530" cy="2585323"/>
+            <a:off x="233563" y="4054158"/>
+            <a:ext cx="2732955" cy="2585323"/>
           </a:xfrm>
           <a:prstGeom prst="rect">
             <a:avLst/>
@@ -4268,7 +4740,7 @@
           <a:p>
             <a:r>
               <a:rPr lang="en-US" b="1" dirty="0"/>
-              <a:t>Individual-based model (IBM)</a:t>
+              <a:t>Individual-based model</a:t>
             </a:r>
             <a:br>
               <a:rPr lang="en-US" b="1" dirty="0"/>
@@ -4278,11 +4750,8 @@
           <a:p>
             <a:r>
               <a:rPr lang="en-US" dirty="0"/>
-              <a:t>Extends structure by tracking each individual, each with their own spatial and epidemiological characteristics</a:t>
-            </a:r>
-          </a:p>
-          <a:p>
-            <a:endParaRPr lang="en-US" dirty="0"/>
+              <a:t>Tracks each individual, each with their own epidemiological characteristics; this model class also introduces the idea of randomness</a:t>
+            </a:r>
           </a:p>
           <a:p>
             <a:endParaRPr lang="en-US" dirty="0"/>
@@ -5176,11 +5645,10 @@
           <a:p>
             <a:r>
               <a:rPr lang="en-GB" dirty="0"/>
-              <a:t>All of  the practical exercises will use R scripts that you can download in one go:</a:t>
-            </a:r>
-            <a:br>
-              <a:rPr lang="en-GB" dirty="0"/>
-            </a:br>
+              <a:t>All of the practical exercises will use R scripts that you will create yourself following instructions at the course website:</a:t>
+            </a:r>
+          </a:p>
+          <a:p>
             <a:endParaRPr lang="en-GB" dirty="0"/>
           </a:p>
           <a:p>
@@ -5190,25 +5658,11 @@
             </a:pPr>
             <a:r>
               <a:rPr lang="en-GB" dirty="0"/>
-              <a:t>Open RStudio</a:t>
-            </a:r>
-          </a:p>
-          <a:p>
-            <a:pPr marL="342900" indent="-342900">
-              <a:buFont typeface="+mj-lt"/>
-              <a:buAutoNum type="arabicPeriod"/>
-            </a:pPr>
-            <a:r>
-              <a:rPr lang="en-GB" dirty="0"/>
               <a:t>Navigate to </a:t>
             </a:r>
             <a:r>
-              <a:rPr lang="en-GB" b="1" dirty="0"/>
-              <a:t>https://</a:t>
-            </a:r>
-            <a:r>
               <a:rPr lang="en-GB" b="1" dirty="0" err="1"/>
-              <a:t>github.com</a:t>
+              <a:t>cmmid.github.io</a:t>
             </a:r>
             <a:r>
               <a:rPr lang="en-GB" b="1" dirty="0"/>
@@ -5216,26 +5670,27 @@
             </a:r>
             <a:r>
               <a:rPr lang="en-GB" b="1" dirty="0" err="1"/>
-              <a:t>cmmid</a:t>
-            </a:r>
-            <a:r>
-              <a:rPr lang="en-GB" b="1" dirty="0"/>
-              <a:t>/MTM</a:t>
+              <a:t>mtm</a:t>
             </a:r>
             <a:r>
               <a:rPr lang="en-GB" dirty="0"/>
-              <a:t> in your internet browser</a:t>
+              <a:t> in your internet browser; </a:t>
             </a:r>
             <a:br>
               <a:rPr lang="en-GB" dirty="0"/>
             </a:br>
             <a:r>
               <a:rPr lang="en-GB" dirty="0"/>
-              <a:t>Follow QuickStart guide in README</a:t>
-            </a:r>
-          </a:p>
-          <a:p>
-            <a:endParaRPr lang="en-GB" dirty="0"/>
+              <a:t>use the “</a:t>
+            </a:r>
+            <a:r>
+              <a:rPr lang="en-GB" dirty="0" err="1"/>
+              <a:t>Practicals</a:t>
+            </a:r>
+            <a:r>
+              <a:rPr lang="en-GB" dirty="0"/>
+              <a:t>” menu at the top to access the relevant practical</a:t>
+            </a:r>
           </a:p>
           <a:p>
             <a:pPr marL="342900" indent="-342900">
@@ -5249,69 +5704,37 @@
               <a:buFont typeface="+mj-lt"/>
               <a:buAutoNum type="arabicPeriod"/>
             </a:pPr>
+            <a:r>
+              <a:rPr lang="en-GB" dirty="0"/>
+              <a:t>Open RStudio on your computer, start a new R script </a:t>
+            </a:r>
+            <a:br>
+              <a:rPr lang="en-GB" dirty="0"/>
+            </a:br>
+            <a:r>
+              <a:rPr lang="en-GB" dirty="0"/>
+              <a:t>(File &gt; New File &gt; R Script) and follow the instructions in the practical</a:t>
+            </a:r>
+          </a:p>
+          <a:p>
+            <a:pPr marL="342900" indent="-342900">
+              <a:buFont typeface="+mj-lt"/>
+              <a:buAutoNum type="arabicPeriod"/>
+            </a:pPr>
             <a:endParaRPr lang="en-GB" dirty="0"/>
           </a:p>
           <a:p>
-            <a:r>
-              <a:rPr lang="en-GB" b="1" dirty="0"/>
-              <a:t>To download your files:</a:t>
+            <a:pPr marL="342900" indent="-342900">
+              <a:buFont typeface="+mj-lt"/>
+              <a:buAutoNum type="arabicPeriod"/>
+            </a:pPr>
+            <a:r>
+              <a:rPr lang="en-GB" dirty="0"/>
+              <a:t>Solutions are also available from the course website</a:t>
             </a:r>
             <a:br>
-              <a:rPr lang="en-GB" b="1" dirty="0"/>
+              <a:rPr lang="en-GB" dirty="0"/>
             </a:br>
-            <a:br>
-              <a:rPr lang="en-GB" b="1" dirty="0"/>
-            </a:br>
-            <a:r>
-              <a:rPr lang="en-GB" b="0" i="0" dirty="0">
-                <a:effectLst/>
-                <a:latin typeface="Courier New" panose="02070309020205020404" pitchFamily="49" charset="0"/>
-                <a:cs typeface="Courier New" panose="02070309020205020404" pitchFamily="49" charset="0"/>
-              </a:rPr>
-              <a:t>MTM::scripts(path = “~/Downloads/MTM”,</a:t>
-            </a:r>
-          </a:p>
-          <a:p>
-            <a:r>
-              <a:rPr lang="en-GB" dirty="0">
-                <a:latin typeface="Courier New" panose="02070309020205020404" pitchFamily="49" charset="0"/>
-                <a:cs typeface="Courier New" panose="02070309020205020404" pitchFamily="49" charset="0"/>
-              </a:rPr>
-              <a:t>					overwrite </a:t>
-            </a:r>
-            <a:r>
-              <a:rPr lang="en-GB">
-                <a:latin typeface="Courier New" panose="02070309020205020404" pitchFamily="49" charset="0"/>
-                <a:cs typeface="Courier New" panose="02070309020205020404" pitchFamily="49" charset="0"/>
-              </a:rPr>
-              <a:t>= FALSE,</a:t>
-            </a:r>
-            <a:endParaRPr lang="en-GB" dirty="0">
-              <a:latin typeface="Courier New" panose="02070309020205020404" pitchFamily="49" charset="0"/>
-              <a:cs typeface="Courier New" panose="02070309020205020404" pitchFamily="49" charset="0"/>
-            </a:endParaRPr>
-          </a:p>
-          <a:p>
-            <a:r>
-              <a:rPr lang="en-GB" b="0" i="0" dirty="0">
-                <a:effectLst/>
-                <a:latin typeface="Courier New" panose="02070309020205020404" pitchFamily="49" charset="0"/>
-                <a:cs typeface="Courier New" panose="02070309020205020404" pitchFamily="49" charset="0"/>
-              </a:rPr>
-              <a:t>					what = “scripts”)</a:t>
-            </a:r>
-            <a:br>
-              <a:rPr lang="en-GB" b="1" dirty="0"/>
-            </a:br>
-            <a:endParaRPr lang="en-GB" dirty="0">
-              <a:latin typeface="Courier New" panose="02070309020205020404" pitchFamily="49" charset="0"/>
-              <a:cs typeface="Courier New" panose="02070309020205020404" pitchFamily="49" charset="0"/>
-            </a:endParaRPr>
-          </a:p>
-          <a:p>
-            <a:endParaRPr lang="en-GB" dirty="0"/>
-          </a:p>
-          <a:p>
             <a:endParaRPr lang="en-US" dirty="0"/>
           </a:p>
         </p:txBody>
@@ -5339,7 +5762,7 @@
           <a:p>
             <a:r>
               <a:rPr lang="en-US" dirty="0"/>
-              <a:t>Download practical exercises</a:t>
+              <a:t>Reminder: Course website</a:t>
             </a:r>
           </a:p>
         </p:txBody>
@@ -5370,237 +5793,6 @@
               <a:t>17</a:t>
             </a:fld>
             <a:endParaRPr lang="en-GB" dirty="0"/>
-          </a:p>
-        </p:txBody>
-      </p:sp>
-      <p:cxnSp>
-        <p:nvCxnSpPr>
-          <p:cNvPr id="6" name="Straight Arrow Connector 5">
-            <a:extLst>
-              <a:ext uri="{FF2B5EF4-FFF2-40B4-BE49-F238E27FC236}">
-                <a16:creationId xmlns:a16="http://schemas.microsoft.com/office/drawing/2014/main" id="{59D4A539-E26D-DBB7-EA76-944096CBF766}"/>
-              </a:ext>
-            </a:extLst>
-          </p:cNvPr>
-          <p:cNvCxnSpPr>
-            <a:cxnSpLocks/>
-          </p:cNvCxnSpPr>
-          <p:nvPr/>
-        </p:nvCxnSpPr>
-        <p:spPr>
-          <a:xfrm flipH="1">
-            <a:off x="5327373" y="4512365"/>
-            <a:ext cx="477079" cy="357809"/>
-          </a:xfrm>
-          <a:prstGeom prst="straightConnector1">
-            <a:avLst/>
-          </a:prstGeom>
-          <a:ln>
-            <a:tailEnd type="triangle"/>
-          </a:ln>
-        </p:spPr>
-        <p:style>
-          <a:lnRef idx="2">
-            <a:schemeClr val="accent1"/>
-          </a:lnRef>
-          <a:fillRef idx="0">
-            <a:schemeClr val="accent1"/>
-          </a:fillRef>
-          <a:effectRef idx="1">
-            <a:schemeClr val="accent1"/>
-          </a:effectRef>
-          <a:fontRef idx="minor">
-            <a:schemeClr val="tx1"/>
-          </a:fontRef>
-        </p:style>
-      </p:cxnSp>
-      <p:cxnSp>
-        <p:nvCxnSpPr>
-          <p:cNvPr id="8" name="Straight Arrow Connector 7">
-            <a:extLst>
-              <a:ext uri="{FF2B5EF4-FFF2-40B4-BE49-F238E27FC236}">
-                <a16:creationId xmlns:a16="http://schemas.microsoft.com/office/drawing/2014/main" id="{B4A93DE3-B7A7-61AC-F372-3B85084A9B0A}"/>
-              </a:ext>
-            </a:extLst>
-          </p:cNvPr>
-          <p:cNvCxnSpPr>
-            <a:cxnSpLocks/>
-          </p:cNvCxnSpPr>
-          <p:nvPr/>
-        </p:nvCxnSpPr>
-        <p:spPr>
-          <a:xfrm flipH="1" flipV="1">
-            <a:off x="5088833" y="5380182"/>
-            <a:ext cx="715619" cy="155914"/>
-          </a:xfrm>
-          <a:prstGeom prst="straightConnector1">
-            <a:avLst/>
-          </a:prstGeom>
-          <a:ln>
-            <a:tailEnd type="triangle"/>
-          </a:ln>
-        </p:spPr>
-        <p:style>
-          <a:lnRef idx="2">
-            <a:schemeClr val="accent1"/>
-          </a:lnRef>
-          <a:fillRef idx="0">
-            <a:schemeClr val="accent1"/>
-          </a:fillRef>
-          <a:effectRef idx="1">
-            <a:schemeClr val="accent1"/>
-          </a:effectRef>
-          <a:fontRef idx="minor">
-            <a:schemeClr val="tx1"/>
-          </a:fontRef>
-        </p:style>
-      </p:cxnSp>
-      <p:cxnSp>
-        <p:nvCxnSpPr>
-          <p:cNvPr id="10" name="Straight Arrow Connector 9">
-            <a:extLst>
-              <a:ext uri="{FF2B5EF4-FFF2-40B4-BE49-F238E27FC236}">
-                <a16:creationId xmlns:a16="http://schemas.microsoft.com/office/drawing/2014/main" id="{1E9FC558-1F1B-8135-C41E-1DF5812B24EF}"/>
-              </a:ext>
-            </a:extLst>
-          </p:cNvPr>
-          <p:cNvCxnSpPr>
-            <a:cxnSpLocks/>
-          </p:cNvCxnSpPr>
-          <p:nvPr/>
-        </p:nvCxnSpPr>
-        <p:spPr>
-          <a:xfrm flipH="1" flipV="1">
-            <a:off x="4078355" y="5910269"/>
-            <a:ext cx="715619" cy="155914"/>
-          </a:xfrm>
-          <a:prstGeom prst="straightConnector1">
-            <a:avLst/>
-          </a:prstGeom>
-          <a:ln>
-            <a:tailEnd type="triangle"/>
-          </a:ln>
-        </p:spPr>
-        <p:style>
-          <a:lnRef idx="2">
-            <a:schemeClr val="accent1"/>
-          </a:lnRef>
-          <a:fillRef idx="0">
-            <a:schemeClr val="accent1"/>
-          </a:fillRef>
-          <a:effectRef idx="1">
-            <a:schemeClr val="accent1"/>
-          </a:effectRef>
-          <a:fontRef idx="minor">
-            <a:schemeClr val="tx1"/>
-          </a:fontRef>
-        </p:style>
-      </p:cxnSp>
-      <p:sp>
-        <p:nvSpPr>
-          <p:cNvPr id="12" name="TextBox 11">
-            <a:extLst>
-              <a:ext uri="{FF2B5EF4-FFF2-40B4-BE49-F238E27FC236}">
-                <a16:creationId xmlns:a16="http://schemas.microsoft.com/office/drawing/2014/main" id="{66AFF34E-2969-0673-CCF6-D309205463A7}"/>
-              </a:ext>
-            </a:extLst>
-          </p:cNvPr>
-          <p:cNvSpPr txBox="1"/>
-          <p:nvPr/>
-        </p:nvSpPr>
-        <p:spPr>
-          <a:xfrm>
-            <a:off x="5804452" y="4167089"/>
-            <a:ext cx="4572000" cy="369332"/>
-          </a:xfrm>
-          <a:prstGeom prst="rect">
-            <a:avLst/>
-          </a:prstGeom>
-          <a:noFill/>
-        </p:spPr>
-        <p:txBody>
-          <a:bodyPr wrap="square">
-            <a:spAutoFit/>
-          </a:bodyPr>
-          <a:lstStyle/>
-          <a:p>
-            <a:r>
-              <a:rPr lang="en-GB" dirty="0"/>
-              <a:t>Set path for new folder</a:t>
-            </a:r>
-            <a:endParaRPr lang="en-US" dirty="0"/>
-          </a:p>
-        </p:txBody>
-      </p:sp>
-      <p:sp>
-        <p:nvSpPr>
-          <p:cNvPr id="13" name="TextBox 12">
-            <a:extLst>
-              <a:ext uri="{FF2B5EF4-FFF2-40B4-BE49-F238E27FC236}">
-                <a16:creationId xmlns:a16="http://schemas.microsoft.com/office/drawing/2014/main" id="{DCDBF74B-1827-C883-B384-5057FF7670CF}"/>
-              </a:ext>
-            </a:extLst>
-          </p:cNvPr>
-          <p:cNvSpPr txBox="1"/>
-          <p:nvPr/>
-        </p:nvSpPr>
-        <p:spPr>
-          <a:xfrm>
-            <a:off x="5804452" y="5408580"/>
-            <a:ext cx="3339548" cy="646331"/>
-          </a:xfrm>
-          <a:prstGeom prst="rect">
-            <a:avLst/>
-          </a:prstGeom>
-          <a:noFill/>
-        </p:spPr>
-        <p:txBody>
-          <a:bodyPr wrap="square">
-            <a:spAutoFit/>
-          </a:bodyPr>
-          <a:lstStyle/>
-          <a:p>
-            <a:r>
-              <a:rPr lang="en-GB" dirty="0"/>
-              <a:t>Don’t change this if you want to keep any files</a:t>
-            </a:r>
-            <a:endParaRPr lang="en-US" dirty="0"/>
-          </a:p>
-        </p:txBody>
-      </p:sp>
-      <p:sp>
-        <p:nvSpPr>
-          <p:cNvPr id="14" name="TextBox 13">
-            <a:extLst>
-              <a:ext uri="{FF2B5EF4-FFF2-40B4-BE49-F238E27FC236}">
-                <a16:creationId xmlns:a16="http://schemas.microsoft.com/office/drawing/2014/main" id="{5B6A90F5-2A46-C380-F5F5-D794EBA1B372}"/>
-              </a:ext>
-            </a:extLst>
-          </p:cNvPr>
-          <p:cNvSpPr txBox="1"/>
-          <p:nvPr/>
-        </p:nvSpPr>
-        <p:spPr>
-          <a:xfrm>
-            <a:off x="4750904" y="6085089"/>
-            <a:ext cx="3339548" cy="369332"/>
-          </a:xfrm>
-          <a:prstGeom prst="rect">
-            <a:avLst/>
-          </a:prstGeom>
-          <a:noFill/>
-        </p:spPr>
-        <p:txBody>
-          <a:bodyPr wrap="square">
-            <a:spAutoFit/>
-          </a:bodyPr>
-          <a:lstStyle/>
-          <a:p>
-            <a:r>
-              <a:rPr lang="en-GB" dirty="0"/>
-              <a:t>Can change to ‘solutions’</a:t>
-            </a:r>
-            <a:endParaRPr lang="en-US" dirty="0"/>
           </a:p>
         </p:txBody>
       </p:sp>
@@ -5618,7 +5810,7 @@
 </file>
 
 <file path=ppt/slides/slide19.xml><?xml version="1.0" encoding="utf-8"?>
-<p:sld xmlns:a="http://schemas.openxmlformats.org/drawingml/2006/main" xmlns:r="http://schemas.openxmlformats.org/officeDocument/2006/relationships" xmlns:p="http://schemas.openxmlformats.org/presentationml/2006/main" show="0">
+<p:sld xmlns:a="http://schemas.openxmlformats.org/drawingml/2006/main" xmlns:r="http://schemas.openxmlformats.org/officeDocument/2006/relationships" xmlns:p="http://schemas.openxmlformats.org/presentationml/2006/main">
   <p:cSld>
     <p:spTree>
       <p:nvGrpSpPr>
@@ -5683,54 +5875,80 @@
           <a:p>
             <a:pPr lvl="1"/>
             <a:r>
+              <a:rPr dirty="0"/>
               <a:t>Ordinary differential equations</a:t>
             </a:r>
           </a:p>
           <a:p>
             <a:pPr lvl="2"/>
             <a:r>
-              <a:t>Hethcote (2000) SIAM 42(2): Review on constructions of SIR-type models</a:t>
+              <a:rPr dirty="0" err="1"/>
+              <a:t>Hethcote</a:t>
+            </a:r>
+            <a:r>
+              <a:rPr dirty="0"/>
+              <a:t> (2000) SIAM 42(2): Review on constructions of SIR-type models</a:t>
             </a:r>
           </a:p>
           <a:p>
             <a:pPr lvl="2"/>
             <a:r>
-              <a:t>Perelson et al. (1996) Science 271(5255): First description of within-host HIV dynamics spread</a:t>
+              <a:rPr dirty="0" err="1"/>
+              <a:t>Perelson</a:t>
+            </a:r>
+            <a:r>
+              <a:rPr dirty="0"/>
+              <a:t> et al. (1996) Science 271(5255): First description of within-host HIV dynamics spread</a:t>
             </a:r>
           </a:p>
           <a:p>
             <a:pPr lvl="1"/>
             <a:r>
+              <a:rPr dirty="0"/>
               <a:t>Networks</a:t>
             </a:r>
           </a:p>
           <a:p>
             <a:pPr lvl="2"/>
             <a:r>
-              <a:t>Meyers, LA (2005) J of Theo. Biology 232: Using networks to understand outbreak heterogeneity</a:t>
+              <a:rPr dirty="0"/>
+              <a:t>Meyers, LA (2005) J Theo</a:t>
+            </a:r>
+            <a:r>
+              <a:rPr lang="en-GB" dirty="0"/>
+              <a:t>r</a:t>
+            </a:r>
+            <a:r>
+              <a:rPr dirty="0"/>
+              <a:t> Biology 232: Using networks to understand outbreak heterogeneity</a:t>
             </a:r>
           </a:p>
           <a:p>
             <a:pPr lvl="1"/>
             <a:r>
-              <a:t>Microsimulations</a:t>
-            </a:r>
+              <a:rPr lang="en-GB" dirty="0"/>
+              <a:t>Individual-based models</a:t>
+            </a:r>
+            <a:endParaRPr dirty="0"/>
           </a:p>
           <a:p>
             <a:pPr lvl="2"/>
             <a:r>
+              <a:rPr dirty="0"/>
               <a:t>Halloran, ME (2008) PNAS 105(12): Pandemic flu containment in the US</a:t>
             </a:r>
           </a:p>
           <a:p>
             <a:pPr lvl="1"/>
             <a:r>
+              <a:rPr dirty="0"/>
               <a:t>Stochastic ‘event-driven’ model</a:t>
             </a:r>
           </a:p>
           <a:p>
             <a:pPr lvl="2"/>
             <a:r>
+              <a:rPr dirty="0"/>
               <a:t>Legrand et al. (2007) Epi &amp; Infection 135: Modelling Ebola epidemics</a:t>
             </a:r>
           </a:p>
@@ -6342,10 +6560,10 @@
       </p:sp>
       <p:sp>
         <p:nvSpPr>
-          <p:cNvPr id="7" name="TextBox 6">
-            <a:extLst>
-              <a:ext uri="{FF2B5EF4-FFF2-40B4-BE49-F238E27FC236}">
-                <a16:creationId xmlns:a16="http://schemas.microsoft.com/office/drawing/2014/main" id="{2CD9DA31-484B-2CF0-A922-9C4845F237EA}"/>
+          <p:cNvPr id="2" name="TextBox 1">
+            <a:extLst>
+              <a:ext uri="{FF2B5EF4-FFF2-40B4-BE49-F238E27FC236}">
+                <a16:creationId xmlns:a16="http://schemas.microsoft.com/office/drawing/2014/main" id="{99C26904-AD31-D2A8-A979-9C4506C2C7C7}"/>
               </a:ext>
             </a:extLst>
           </p:cNvPr>
@@ -6355,7 +6573,7 @@
         <p:spPr>
           <a:xfrm>
             <a:off x="233563" y="1321034"/>
-            <a:ext cx="2452487" cy="2585323"/>
+            <a:ext cx="2732956" cy="2585323"/>
           </a:xfrm>
           <a:prstGeom prst="rect">
             <a:avLst/>
@@ -6479,56 +6697,6 @@
       </p:sp>
       <p:sp>
         <p:nvSpPr>
-          <p:cNvPr id="7" name="TextBox 6">
-            <a:extLst>
-              <a:ext uri="{FF2B5EF4-FFF2-40B4-BE49-F238E27FC236}">
-                <a16:creationId xmlns:a16="http://schemas.microsoft.com/office/drawing/2014/main" id="{2CD9DA31-484B-2CF0-A922-9C4845F237EA}"/>
-              </a:ext>
-            </a:extLst>
-          </p:cNvPr>
-          <p:cNvSpPr txBox="1"/>
-          <p:nvPr/>
-        </p:nvSpPr>
-        <p:spPr>
-          <a:xfrm>
-            <a:off x="233563" y="1321034"/>
-            <a:ext cx="2452487" cy="2585323"/>
-          </a:xfrm>
-          <a:prstGeom prst="rect">
-            <a:avLst/>
-          </a:prstGeom>
-          <a:solidFill>
-            <a:schemeClr val="accent6">
-              <a:lumMod val="20000"/>
-              <a:lumOff val="80000"/>
-            </a:schemeClr>
-          </a:solidFill>
-        </p:spPr>
-        <p:txBody>
-          <a:bodyPr wrap="square" rtlCol="0">
-            <a:spAutoFit/>
-          </a:bodyPr>
-          <a:lstStyle/>
-          <a:p>
-            <a:r>
-              <a:rPr lang="en-US" b="1" dirty="0"/>
-              <a:t>Difference equations</a:t>
-            </a:r>
-            <a:br>
-              <a:rPr lang="en-US" b="1" dirty="0"/>
-            </a:br>
-            <a:br>
-              <a:rPr lang="en-US" dirty="0"/>
-            </a:br>
-            <a:r>
-              <a:rPr lang="en-US" dirty="0"/>
-              <a:t>Tracks the number of individuals in each epidemiological  “compartment” (e.g. Infected or Susceptible) at each e.g. day or week timestep</a:t>
-            </a:r>
-          </a:p>
-        </p:txBody>
-      </p:sp>
-      <p:sp>
-        <p:nvSpPr>
           <p:cNvPr id="13" name="Rectangle 12">
             <a:extLst>
               <a:ext uri="{FF2B5EF4-FFF2-40B4-BE49-F238E27FC236}">
@@ -7584,6 +7752,56 @@
           </a:fontRef>
         </p:style>
       </p:cxnSp>
+      <p:sp>
+        <p:nvSpPr>
+          <p:cNvPr id="2" name="TextBox 1">
+            <a:extLst>
+              <a:ext uri="{FF2B5EF4-FFF2-40B4-BE49-F238E27FC236}">
+                <a16:creationId xmlns:a16="http://schemas.microsoft.com/office/drawing/2014/main" id="{43E9932C-55B8-98CD-81A3-FAA14638D0BC}"/>
+              </a:ext>
+            </a:extLst>
+          </p:cNvPr>
+          <p:cNvSpPr txBox="1"/>
+          <p:nvPr/>
+        </p:nvSpPr>
+        <p:spPr>
+          <a:xfrm>
+            <a:off x="233563" y="1321034"/>
+            <a:ext cx="2732956" cy="2585323"/>
+          </a:xfrm>
+          <a:prstGeom prst="rect">
+            <a:avLst/>
+          </a:prstGeom>
+          <a:solidFill>
+            <a:schemeClr val="accent6">
+              <a:lumMod val="20000"/>
+              <a:lumOff val="80000"/>
+            </a:schemeClr>
+          </a:solidFill>
+        </p:spPr>
+        <p:txBody>
+          <a:bodyPr wrap="square" rtlCol="0">
+            <a:spAutoFit/>
+          </a:bodyPr>
+          <a:lstStyle/>
+          <a:p>
+            <a:r>
+              <a:rPr lang="en-US" b="1" dirty="0"/>
+              <a:t>Difference equations</a:t>
+            </a:r>
+            <a:br>
+              <a:rPr lang="en-US" b="1" dirty="0"/>
+            </a:br>
+            <a:br>
+              <a:rPr lang="en-US" dirty="0"/>
+            </a:br>
+            <a:r>
+              <a:rPr lang="en-US" dirty="0"/>
+              <a:t>Tracks the number of individuals in each epidemiological  “compartment” (e.g. Infected or Susceptible) at each e.g. day or week timestep</a:t>
+            </a:r>
+          </a:p>
+        </p:txBody>
+      </p:sp>
     </p:spTree>
     <p:extLst>
       <p:ext uri="{BB962C8B-B14F-4D97-AF65-F5344CB8AC3E}">
@@ -7673,62 +7891,6 @@
       </p:sp>
       <p:sp>
         <p:nvSpPr>
-          <p:cNvPr id="8" name="TextBox 7">
-            <a:extLst>
-              <a:ext uri="{FF2B5EF4-FFF2-40B4-BE49-F238E27FC236}">
-                <a16:creationId xmlns:a16="http://schemas.microsoft.com/office/drawing/2014/main" id="{F448C5FE-63EA-8CB2-19FC-3DDAFCEFE5F6}"/>
-              </a:ext>
-            </a:extLst>
-          </p:cNvPr>
-          <p:cNvSpPr txBox="1"/>
-          <p:nvPr/>
-        </p:nvSpPr>
-        <p:spPr>
-          <a:xfrm>
-            <a:off x="2843982" y="1326976"/>
-            <a:ext cx="3015530" cy="2585323"/>
-          </a:xfrm>
-          <a:prstGeom prst="rect">
-            <a:avLst/>
-          </a:prstGeom>
-          <a:solidFill>
-            <a:schemeClr val="accent5">
-              <a:lumMod val="20000"/>
-              <a:lumOff val="80000"/>
-            </a:schemeClr>
-          </a:solidFill>
-        </p:spPr>
-        <p:txBody>
-          <a:bodyPr wrap="square" rtlCol="0">
-            <a:spAutoFit/>
-          </a:bodyPr>
-          <a:lstStyle/>
-          <a:p>
-            <a:r>
-              <a:rPr lang="en-US" b="1" dirty="0"/>
-              <a:t>Ordinary Differential Equations (ODEs)</a:t>
-            </a:r>
-            <a:br>
-              <a:rPr lang="en-US" b="1" dirty="0"/>
-            </a:br>
-            <a:br>
-              <a:rPr lang="en-US" dirty="0"/>
-            </a:br>
-            <a:r>
-              <a:rPr lang="en-US" dirty="0"/>
-              <a:t>Same as ‘difference equations’ but instead of calculating at each timestep, we move to continuous time</a:t>
-            </a:r>
-          </a:p>
-          <a:p>
-            <a:endParaRPr lang="en-US" dirty="0"/>
-          </a:p>
-          <a:p>
-            <a:endParaRPr lang="en-US" dirty="0"/>
-          </a:p>
-        </p:txBody>
-      </p:sp>
-      <p:sp>
-        <p:nvSpPr>
           <p:cNvPr id="2" name="Rectangle 1">
             <a:extLst>
               <a:ext uri="{FF2B5EF4-FFF2-40B4-BE49-F238E27FC236}">
@@ -8018,6 +8180,59 @@
               <a:rPr lang="en-US" dirty="0"/>
               <a:t>Defined by change in the number of people in each compartment  </a:t>
             </a:r>
+          </a:p>
+        </p:txBody>
+      </p:sp>
+      <p:sp>
+        <p:nvSpPr>
+          <p:cNvPr id="9" name="TextBox 8">
+            <a:extLst>
+              <a:ext uri="{FF2B5EF4-FFF2-40B4-BE49-F238E27FC236}">
+                <a16:creationId xmlns:a16="http://schemas.microsoft.com/office/drawing/2014/main" id="{23939987-BCE5-9023-ABAD-7BDE884F6594}"/>
+              </a:ext>
+            </a:extLst>
+          </p:cNvPr>
+          <p:cNvSpPr txBox="1"/>
+          <p:nvPr/>
+        </p:nvSpPr>
+        <p:spPr>
+          <a:xfrm>
+            <a:off x="3126556" y="1326976"/>
+            <a:ext cx="2732956" cy="2585323"/>
+          </a:xfrm>
+          <a:prstGeom prst="rect">
+            <a:avLst/>
+          </a:prstGeom>
+          <a:solidFill>
+            <a:schemeClr val="accent5">
+              <a:lumMod val="20000"/>
+              <a:lumOff val="80000"/>
+            </a:schemeClr>
+          </a:solidFill>
+        </p:spPr>
+        <p:txBody>
+          <a:bodyPr wrap="square" rtlCol="0">
+            <a:spAutoFit/>
+          </a:bodyPr>
+          <a:lstStyle/>
+          <a:p>
+            <a:r>
+              <a:rPr lang="en-US" b="1" dirty="0"/>
+              <a:t>Ordinary Differential Equations (ODEs)</a:t>
+            </a:r>
+            <a:br>
+              <a:rPr lang="en-US" b="1" dirty="0"/>
+            </a:br>
+            <a:br>
+              <a:rPr lang="en-US" dirty="0"/>
+            </a:br>
+            <a:r>
+              <a:rPr lang="en-US" dirty="0"/>
+              <a:t>Same as ‘difference equations’ but instead of calculating at each timestep, we move to continuous time</a:t>
+            </a:r>
+          </a:p>
+          <a:p>
+            <a:endParaRPr lang="en-US" dirty="0"/>
           </a:p>
         </p:txBody>
       </p:sp>
@@ -9418,60 +9633,10 @@
       </p:sp>
       <p:sp>
         <p:nvSpPr>
-          <p:cNvPr id="10" name="TextBox 9">
-            <a:extLst>
-              <a:ext uri="{FF2B5EF4-FFF2-40B4-BE49-F238E27FC236}">
-                <a16:creationId xmlns:a16="http://schemas.microsoft.com/office/drawing/2014/main" id="{0920EB77-545A-A999-5BD8-1B5F5D760251}"/>
-              </a:ext>
-            </a:extLst>
-          </p:cNvPr>
-          <p:cNvSpPr txBox="1"/>
-          <p:nvPr/>
-        </p:nvSpPr>
-        <p:spPr>
-          <a:xfrm>
-            <a:off x="244699" y="4054793"/>
-            <a:ext cx="2441351" cy="2585323"/>
-          </a:xfrm>
-          <a:prstGeom prst="rect">
-            <a:avLst/>
-          </a:prstGeom>
-          <a:solidFill>
-            <a:schemeClr val="accent3">
-              <a:lumMod val="20000"/>
-              <a:lumOff val="80000"/>
-            </a:schemeClr>
-          </a:solidFill>
-        </p:spPr>
-        <p:txBody>
-          <a:bodyPr wrap="square" rtlCol="0">
-            <a:spAutoFit/>
-          </a:bodyPr>
-          <a:lstStyle/>
-          <a:p>
-            <a:r>
-              <a:rPr lang="en-US" b="1" dirty="0"/>
-              <a:t>Network model</a:t>
-            </a:r>
-            <a:br>
-              <a:rPr lang="en-US" b="1" dirty="0"/>
-            </a:br>
-            <a:br>
-              <a:rPr lang="en-US" b="1" dirty="0"/>
-            </a:br>
-            <a:r>
-              <a:rPr lang="en-US" dirty="0"/>
-              <a:t>Elaborates on the idea of structure where each individual is constrained by who they can transmit to. This first introduces idea of “stochastic” dynamics</a:t>
-            </a:r>
-          </a:p>
-        </p:txBody>
-      </p:sp>
-      <p:sp>
-        <p:nvSpPr>
           <p:cNvPr id="2" name="Oval 1">
             <a:extLst>
               <a:ext uri="{FF2B5EF4-FFF2-40B4-BE49-F238E27FC236}">
-                <a16:creationId xmlns:a16="http://schemas.microsoft.com/office/drawing/2014/main" id="{5344B191-F713-B5EC-8888-838CF90A96D5}"/>
+                <a16:creationId xmlns:a16="http://schemas.microsoft.com/office/drawing/2014/main" id="{6D6768F6-9D6F-BB91-6279-6F2FF1579116}"/>
               </a:ext>
             </a:extLst>
           </p:cNvPr>
@@ -9480,349 +9645,7 @@
         </p:nvSpPr>
         <p:spPr>
           <a:xfrm>
-            <a:off x="4171950" y="3806190"/>
-            <a:ext cx="525780" cy="525780"/>
-          </a:xfrm>
-          <a:prstGeom prst="ellipse">
-            <a:avLst/>
-          </a:prstGeom>
-          <a:solidFill>
-            <a:schemeClr val="accent4">
-              <a:lumMod val="40000"/>
-              <a:lumOff val="60000"/>
-            </a:schemeClr>
-          </a:solidFill>
-          <a:effectLst/>
-        </p:spPr>
-        <p:style>
-          <a:lnRef idx="1">
-            <a:schemeClr val="accent1"/>
-          </a:lnRef>
-          <a:fillRef idx="3">
-            <a:schemeClr val="accent1"/>
-          </a:fillRef>
-          <a:effectRef idx="2">
-            <a:schemeClr val="accent1"/>
-          </a:effectRef>
-          <a:fontRef idx="minor">
-            <a:schemeClr val="lt1"/>
-          </a:fontRef>
-        </p:style>
-        <p:txBody>
-          <a:bodyPr rtlCol="0" anchor="ctr"/>
-          <a:lstStyle/>
-          <a:p>
-            <a:pPr algn="ctr"/>
-            <a:r>
-              <a:rPr lang="en-US" dirty="0">
-                <a:solidFill>
-                  <a:sysClr val="windowText" lastClr="000000"/>
-                </a:solidFill>
-              </a:rPr>
-              <a:t>I</a:t>
-            </a:r>
-          </a:p>
-        </p:txBody>
-      </p:sp>
-      <p:sp>
-        <p:nvSpPr>
-          <p:cNvPr id="5" name="Oval 4">
-            <a:extLst>
-              <a:ext uri="{FF2B5EF4-FFF2-40B4-BE49-F238E27FC236}">
-                <a16:creationId xmlns:a16="http://schemas.microsoft.com/office/drawing/2014/main" id="{28148645-C26A-574B-8523-58D76AEB45C3}"/>
-              </a:ext>
-            </a:extLst>
-          </p:cNvPr>
-          <p:cNvSpPr/>
-          <p:nvPr/>
-        </p:nvSpPr>
-        <p:spPr>
-          <a:xfrm>
-            <a:off x="5181600" y="2747010"/>
-            <a:ext cx="525780" cy="525780"/>
-          </a:xfrm>
-          <a:prstGeom prst="ellipse">
-            <a:avLst/>
-          </a:prstGeom>
-          <a:solidFill>
-            <a:schemeClr val="accent4">
-              <a:lumMod val="40000"/>
-              <a:lumOff val="60000"/>
-            </a:schemeClr>
-          </a:solidFill>
-          <a:effectLst/>
-        </p:spPr>
-        <p:style>
-          <a:lnRef idx="1">
-            <a:schemeClr val="accent1"/>
-          </a:lnRef>
-          <a:fillRef idx="3">
-            <a:schemeClr val="accent1"/>
-          </a:fillRef>
-          <a:effectRef idx="2">
-            <a:schemeClr val="accent1"/>
-          </a:effectRef>
-          <a:fontRef idx="minor">
-            <a:schemeClr val="lt1"/>
-          </a:fontRef>
-        </p:style>
-        <p:txBody>
-          <a:bodyPr rtlCol="0" anchor="ctr"/>
-          <a:lstStyle/>
-          <a:p>
-            <a:pPr algn="ctr"/>
-            <a:r>
-              <a:rPr lang="en-US" dirty="0">
-                <a:solidFill>
-                  <a:sysClr val="windowText" lastClr="000000"/>
-                </a:solidFill>
-              </a:rPr>
-              <a:t>I</a:t>
-            </a:r>
-          </a:p>
-        </p:txBody>
-      </p:sp>
-      <p:sp>
-        <p:nvSpPr>
-          <p:cNvPr id="6" name="Oval 5">
-            <a:extLst>
-              <a:ext uri="{FF2B5EF4-FFF2-40B4-BE49-F238E27FC236}">
-                <a16:creationId xmlns:a16="http://schemas.microsoft.com/office/drawing/2014/main" id="{CCFF1046-1348-DC33-58B5-1D5C56D545AA}"/>
-              </a:ext>
-            </a:extLst>
-          </p:cNvPr>
-          <p:cNvSpPr/>
-          <p:nvPr/>
-        </p:nvSpPr>
-        <p:spPr>
-          <a:xfrm>
-            <a:off x="5387340" y="4591652"/>
-            <a:ext cx="525780" cy="525780"/>
-          </a:xfrm>
-          <a:prstGeom prst="ellipse">
-            <a:avLst/>
-          </a:prstGeom>
-          <a:solidFill>
-            <a:schemeClr val="accent4">
-              <a:lumMod val="40000"/>
-              <a:lumOff val="60000"/>
-            </a:schemeClr>
-          </a:solidFill>
-          <a:effectLst/>
-        </p:spPr>
-        <p:style>
-          <a:lnRef idx="1">
-            <a:schemeClr val="accent1"/>
-          </a:lnRef>
-          <a:fillRef idx="3">
-            <a:schemeClr val="accent1"/>
-          </a:fillRef>
-          <a:effectRef idx="2">
-            <a:schemeClr val="accent1"/>
-          </a:effectRef>
-          <a:fontRef idx="minor">
-            <a:schemeClr val="lt1"/>
-          </a:fontRef>
-        </p:style>
-        <p:txBody>
-          <a:bodyPr rtlCol="0" anchor="ctr"/>
-          <a:lstStyle/>
-          <a:p>
-            <a:pPr algn="ctr"/>
-            <a:r>
-              <a:rPr lang="en-US" dirty="0">
-                <a:solidFill>
-                  <a:sysClr val="windowText" lastClr="000000"/>
-                </a:solidFill>
-              </a:rPr>
-              <a:t>I</a:t>
-            </a:r>
-          </a:p>
-        </p:txBody>
-      </p:sp>
-      <p:sp>
-        <p:nvSpPr>
-          <p:cNvPr id="13" name="Oval 12">
-            <a:extLst>
-              <a:ext uri="{FF2B5EF4-FFF2-40B4-BE49-F238E27FC236}">
-                <a16:creationId xmlns:a16="http://schemas.microsoft.com/office/drawing/2014/main" id="{770EE0D0-8E6E-A54D-0DCA-15917578F26A}"/>
-              </a:ext>
-            </a:extLst>
-          </p:cNvPr>
-          <p:cNvSpPr/>
-          <p:nvPr/>
-        </p:nvSpPr>
-        <p:spPr>
-          <a:xfrm>
-            <a:off x="6195060" y="3543300"/>
-            <a:ext cx="525780" cy="525780"/>
-          </a:xfrm>
-          <a:prstGeom prst="ellipse">
-            <a:avLst/>
-          </a:prstGeom>
-          <a:solidFill>
-            <a:srgbClr val="00B050"/>
-          </a:solidFill>
-          <a:effectLst/>
-        </p:spPr>
-        <p:style>
-          <a:lnRef idx="1">
-            <a:schemeClr val="accent1"/>
-          </a:lnRef>
-          <a:fillRef idx="3">
-            <a:schemeClr val="accent1"/>
-          </a:fillRef>
-          <a:effectRef idx="2">
-            <a:schemeClr val="accent1"/>
-          </a:effectRef>
-          <a:fontRef idx="minor">
-            <a:schemeClr val="lt1"/>
-          </a:fontRef>
-        </p:style>
-        <p:txBody>
-          <a:bodyPr rtlCol="0" anchor="ctr"/>
-          <a:lstStyle/>
-          <a:p>
-            <a:pPr algn="ctr"/>
-            <a:r>
-              <a:rPr lang="en-US" dirty="0">
-                <a:solidFill>
-                  <a:sysClr val="windowText" lastClr="000000"/>
-                </a:solidFill>
-              </a:rPr>
-              <a:t>S</a:t>
-            </a:r>
-          </a:p>
-        </p:txBody>
-      </p:sp>
-      <p:sp>
-        <p:nvSpPr>
-          <p:cNvPr id="14" name="Oval 13">
-            <a:extLst>
-              <a:ext uri="{FF2B5EF4-FFF2-40B4-BE49-F238E27FC236}">
-                <a16:creationId xmlns:a16="http://schemas.microsoft.com/office/drawing/2014/main" id="{D98EAE11-FABD-8CB8-C16F-C4A2BCAB6090}"/>
-              </a:ext>
-            </a:extLst>
-          </p:cNvPr>
-          <p:cNvSpPr/>
-          <p:nvPr/>
-        </p:nvSpPr>
-        <p:spPr>
-          <a:xfrm>
-            <a:off x="4171950" y="5084564"/>
-            <a:ext cx="525780" cy="525780"/>
-          </a:xfrm>
-          <a:prstGeom prst="ellipse">
-            <a:avLst/>
-          </a:prstGeom>
-          <a:solidFill>
-            <a:schemeClr val="accent3">
-              <a:lumMod val="40000"/>
-              <a:lumOff val="60000"/>
-            </a:schemeClr>
-          </a:solidFill>
-          <a:effectLst/>
-        </p:spPr>
-        <p:style>
-          <a:lnRef idx="1">
-            <a:schemeClr val="accent1"/>
-          </a:lnRef>
-          <a:fillRef idx="3">
-            <a:schemeClr val="accent1"/>
-          </a:fillRef>
-          <a:effectRef idx="2">
-            <a:schemeClr val="accent1"/>
-          </a:effectRef>
-          <a:fontRef idx="minor">
-            <a:schemeClr val="lt1"/>
-          </a:fontRef>
-        </p:style>
-        <p:txBody>
-          <a:bodyPr rtlCol="0" anchor="ctr"/>
-          <a:lstStyle/>
-          <a:p>
-            <a:pPr algn="ctr"/>
-            <a:r>
-              <a:rPr lang="en-US" dirty="0">
-                <a:solidFill>
-                  <a:sysClr val="windowText" lastClr="000000"/>
-                </a:solidFill>
-              </a:rPr>
-              <a:t>R</a:t>
-            </a:r>
-          </a:p>
-        </p:txBody>
-      </p:sp>
-      <p:sp>
-        <p:nvSpPr>
-          <p:cNvPr id="15" name="Oval 14">
-            <a:extLst>
-              <a:ext uri="{FF2B5EF4-FFF2-40B4-BE49-F238E27FC236}">
-                <a16:creationId xmlns:a16="http://schemas.microsoft.com/office/drawing/2014/main" id="{63F71382-20F5-097B-1F69-5307EB4BE8EC}"/>
-              </a:ext>
-            </a:extLst>
-          </p:cNvPr>
-          <p:cNvSpPr/>
-          <p:nvPr/>
-        </p:nvSpPr>
-        <p:spPr>
-          <a:xfrm>
-            <a:off x="6899911" y="4821674"/>
-            <a:ext cx="525780" cy="525780"/>
-          </a:xfrm>
-          <a:prstGeom prst="ellipse">
-            <a:avLst/>
-          </a:prstGeom>
-          <a:solidFill>
-            <a:srgbClr val="00B050"/>
-          </a:solidFill>
-          <a:effectLst/>
-        </p:spPr>
-        <p:style>
-          <a:lnRef idx="1">
-            <a:schemeClr val="accent1"/>
-          </a:lnRef>
-          <a:fillRef idx="3">
-            <a:schemeClr val="accent1"/>
-          </a:fillRef>
-          <a:effectRef idx="2">
-            <a:schemeClr val="accent1"/>
-          </a:effectRef>
-          <a:fontRef idx="minor">
-            <a:schemeClr val="lt1"/>
-          </a:fontRef>
-        </p:style>
-        <p:txBody>
-          <a:bodyPr rtlCol="0" anchor="ctr"/>
-          <a:lstStyle/>
-          <a:p>
-            <a:pPr algn="ctr"/>
-            <a:r>
-              <a:rPr lang="en-US" dirty="0">
-                <a:solidFill>
-                  <a:sysClr val="windowText" lastClr="000000"/>
-                </a:solidFill>
-              </a:rPr>
-              <a:t>S</a:t>
-            </a:r>
-          </a:p>
-        </p:txBody>
-      </p:sp>
-      <p:sp>
-        <p:nvSpPr>
-          <p:cNvPr id="16" name="Oval 15">
-            <a:extLst>
-              <a:ext uri="{FF2B5EF4-FFF2-40B4-BE49-F238E27FC236}">
-                <a16:creationId xmlns:a16="http://schemas.microsoft.com/office/drawing/2014/main" id="{4E0845D1-FE6B-06F3-83EA-B865390ABEA9}"/>
-              </a:ext>
-            </a:extLst>
-          </p:cNvPr>
-          <p:cNvSpPr/>
-          <p:nvPr/>
-        </p:nvSpPr>
-        <p:spPr>
-          <a:xfrm>
-            <a:off x="3810001" y="2336241"/>
+            <a:off x="1215391" y="1524711"/>
             <a:ext cx="525780" cy="525780"/>
           </a:xfrm>
           <a:prstGeom prst="ellipse">
@@ -9863,17 +9686,17 @@
                   <a:sysClr val="windowText" lastClr="000000"/>
                 </a:solidFill>
               </a:rPr>
-              <a:t>S</a:t>
-            </a:r>
-          </a:p>
-        </p:txBody>
-      </p:sp>
-      <p:sp>
-        <p:nvSpPr>
-          <p:cNvPr id="17" name="Oval 16">
-            <a:extLst>
-              <a:ext uri="{FF2B5EF4-FFF2-40B4-BE49-F238E27FC236}">
-                <a16:creationId xmlns:a16="http://schemas.microsoft.com/office/drawing/2014/main" id="{241B1D29-BB27-B210-9659-8695E35B8B11}"/>
+              <a:t>1.</a:t>
+            </a:r>
+          </a:p>
+        </p:txBody>
+      </p:sp>
+      <p:sp>
+        <p:nvSpPr>
+          <p:cNvPr id="5" name="Oval 4">
+            <a:extLst>
+              <a:ext uri="{FF2B5EF4-FFF2-40B4-BE49-F238E27FC236}">
+                <a16:creationId xmlns:a16="http://schemas.microsoft.com/office/drawing/2014/main" id="{E548F245-CC7D-C05D-D9EB-E1A9D7E6C8E3}"/>
               </a:ext>
             </a:extLst>
           </p:cNvPr>
@@ -9882,18 +9705,20 @@
         </p:nvSpPr>
         <p:spPr>
           <a:xfrm>
-            <a:off x="6899911" y="2336241"/>
-            <a:ext cx="525780" cy="525780"/>
+            <a:off x="1215391" y="2338262"/>
+            <a:ext cx="525780" cy="492204"/>
           </a:xfrm>
           <a:prstGeom prst="ellipse">
             <a:avLst/>
           </a:prstGeom>
           <a:solidFill>
-            <a:schemeClr val="accent4">
-              <a:lumMod val="40000"/>
-              <a:lumOff val="60000"/>
-            </a:schemeClr>
+            <a:srgbClr val="00B050"/>
           </a:solidFill>
+          <a:ln>
+            <a:solidFill>
+              <a:schemeClr val="accent1"/>
+            </a:solidFill>
+          </a:ln>
           <a:effectLst/>
         </p:spPr>
         <p:style>
@@ -9921,313 +9746,138 @@
                   <a:sysClr val="windowText" lastClr="000000"/>
                 </a:solidFill>
               </a:rPr>
-              <a:t>I</a:t>
-            </a:r>
-          </a:p>
-        </p:txBody>
-      </p:sp>
-      <p:cxnSp>
-        <p:nvCxnSpPr>
-          <p:cNvPr id="18" name="Straight Arrow Connector 17">
-            <a:extLst>
-              <a:ext uri="{FF2B5EF4-FFF2-40B4-BE49-F238E27FC236}">
-                <a16:creationId xmlns:a16="http://schemas.microsoft.com/office/drawing/2014/main" id="{962E474D-2F57-847C-DFEB-0C8A86831F2B}"/>
-              </a:ext>
-            </a:extLst>
-          </p:cNvPr>
-          <p:cNvCxnSpPr>
-            <a:cxnSpLocks/>
-            <a:endCxn id="6" idx="3"/>
-          </p:cNvCxnSpPr>
+              <a:t>2.</a:t>
+            </a:r>
+          </a:p>
+        </p:txBody>
+      </p:sp>
+      <p:sp>
+        <p:nvSpPr>
+          <p:cNvPr id="13" name="TextBox 12">
+            <a:extLst>
+              <a:ext uri="{FF2B5EF4-FFF2-40B4-BE49-F238E27FC236}">
+                <a16:creationId xmlns:a16="http://schemas.microsoft.com/office/drawing/2014/main" id="{816569EC-92A1-51AD-BBD8-F5F90ABF5C75}"/>
+              </a:ext>
+            </a:extLst>
+          </p:cNvPr>
+          <p:cNvSpPr txBox="1"/>
           <p:nvPr/>
-        </p:nvCxnSpPr>
-        <p:spPr>
-          <a:xfrm flipV="1">
-            <a:off x="4697730" y="5040433"/>
-            <a:ext cx="766609" cy="307021"/>
-          </a:xfrm>
-          <a:prstGeom prst="straightConnector1">
-            <a:avLst/>
-          </a:prstGeom>
-          <a:ln>
-            <a:tailEnd type="triangle"/>
-          </a:ln>
-          <a:effectLst/>
-        </p:spPr>
-        <p:style>
-          <a:lnRef idx="2">
-            <a:schemeClr val="accent1"/>
-          </a:lnRef>
-          <a:fillRef idx="0">
-            <a:schemeClr val="accent1"/>
-          </a:fillRef>
-          <a:effectRef idx="1">
-            <a:schemeClr val="accent1"/>
-          </a:effectRef>
-          <a:fontRef idx="minor">
-            <a:schemeClr val="tx1"/>
-          </a:fontRef>
-        </p:style>
-      </p:cxnSp>
-      <p:cxnSp>
-        <p:nvCxnSpPr>
-          <p:cNvPr id="20" name="Straight Arrow Connector 19">
-            <a:extLst>
-              <a:ext uri="{FF2B5EF4-FFF2-40B4-BE49-F238E27FC236}">
-                <a16:creationId xmlns:a16="http://schemas.microsoft.com/office/drawing/2014/main" id="{881E53AF-1B1E-944B-B3DC-C17BC8CAF15A}"/>
-              </a:ext>
-            </a:extLst>
-          </p:cNvPr>
-          <p:cNvCxnSpPr>
-            <a:cxnSpLocks/>
-            <a:endCxn id="13" idx="3"/>
-          </p:cNvCxnSpPr>
+        </p:nvSpPr>
+        <p:spPr>
+          <a:xfrm>
+            <a:off x="2274570" y="1524711"/>
+            <a:ext cx="6705600" cy="646331"/>
+          </a:xfrm>
+          <a:prstGeom prst="rect">
+            <a:avLst/>
+          </a:prstGeom>
+          <a:noFill/>
+        </p:spPr>
+        <p:txBody>
+          <a:bodyPr wrap="square">
+            <a:spAutoFit/>
+          </a:bodyPr>
+          <a:lstStyle/>
+          <a:p>
+            <a:r>
+              <a:rPr lang="en-US" dirty="0"/>
+              <a:t>F 48.3y; became infected on day 16; has an incubation period of 5.2 days, will have mild symptoms and lose infectiousness after 8.6 days. </a:t>
+            </a:r>
+          </a:p>
+        </p:txBody>
+      </p:sp>
+      <p:sp>
+        <p:nvSpPr>
+          <p:cNvPr id="14" name="TextBox 13">
+            <a:extLst>
+              <a:ext uri="{FF2B5EF4-FFF2-40B4-BE49-F238E27FC236}">
+                <a16:creationId xmlns:a16="http://schemas.microsoft.com/office/drawing/2014/main" id="{4EBF0AD7-C759-9FF3-7F99-38BDDDEE6AF5}"/>
+              </a:ext>
+            </a:extLst>
+          </p:cNvPr>
+          <p:cNvSpPr txBox="1"/>
           <p:nvPr/>
-        </p:nvCxnSpPr>
-        <p:spPr>
-          <a:xfrm flipV="1">
-            <a:off x="5852160" y="3992081"/>
-            <a:ext cx="419899" cy="678979"/>
-          </a:xfrm>
-          <a:prstGeom prst="straightConnector1">
-            <a:avLst/>
-          </a:prstGeom>
-          <a:ln>
-            <a:tailEnd type="triangle"/>
-          </a:ln>
-          <a:effectLst/>
-        </p:spPr>
-        <p:style>
-          <a:lnRef idx="2">
-            <a:schemeClr val="accent1"/>
-          </a:lnRef>
-          <a:fillRef idx="0">
-            <a:schemeClr val="accent1"/>
-          </a:fillRef>
-          <a:effectRef idx="1">
-            <a:schemeClr val="accent1"/>
-          </a:effectRef>
-          <a:fontRef idx="minor">
-            <a:schemeClr val="tx1"/>
-          </a:fontRef>
-        </p:style>
-      </p:cxnSp>
-      <p:cxnSp>
-        <p:nvCxnSpPr>
-          <p:cNvPr id="23" name="Straight Arrow Connector 22">
-            <a:extLst>
-              <a:ext uri="{FF2B5EF4-FFF2-40B4-BE49-F238E27FC236}">
-                <a16:creationId xmlns:a16="http://schemas.microsoft.com/office/drawing/2014/main" id="{DD534FE6-42C1-DC42-11C0-58F0C26213EB}"/>
-              </a:ext>
-            </a:extLst>
-          </p:cNvPr>
-          <p:cNvCxnSpPr>
-            <a:cxnSpLocks/>
-            <a:endCxn id="15" idx="0"/>
-          </p:cNvCxnSpPr>
+        </p:nvSpPr>
+        <p:spPr>
+          <a:xfrm>
+            <a:off x="2274570" y="2261198"/>
+            <a:ext cx="6705600" cy="923330"/>
+          </a:xfrm>
+          <a:prstGeom prst="rect">
+            <a:avLst/>
+          </a:prstGeom>
+          <a:noFill/>
+        </p:spPr>
+        <p:txBody>
+          <a:bodyPr wrap="square">
+            <a:spAutoFit/>
+          </a:bodyPr>
+          <a:lstStyle/>
+          <a:p>
+            <a:r>
+              <a:rPr lang="en-US" dirty="0"/>
+              <a:t>M 15.9y; became infected on day 102; has an incubation period of 3.0 days, will be hospitalized in North London on day 106, discharged on day 108 and lose infectiousness 10.6 days later. </a:t>
+            </a:r>
+          </a:p>
+        </p:txBody>
+      </p:sp>
+      <p:sp>
+        <p:nvSpPr>
+          <p:cNvPr id="6" name="TextBox 5">
+            <a:extLst>
+              <a:ext uri="{FF2B5EF4-FFF2-40B4-BE49-F238E27FC236}">
+                <a16:creationId xmlns:a16="http://schemas.microsoft.com/office/drawing/2014/main" id="{58C85B20-E1D4-3875-7C3C-B051791FC78B}"/>
+              </a:ext>
+            </a:extLst>
+          </p:cNvPr>
+          <p:cNvSpPr txBox="1"/>
           <p:nvPr/>
-        </p:nvCxnSpPr>
-        <p:spPr>
-          <a:xfrm>
-            <a:off x="7162801" y="2848805"/>
-            <a:ext cx="0" cy="1972869"/>
-          </a:xfrm>
-          <a:prstGeom prst="straightConnector1">
-            <a:avLst/>
-          </a:prstGeom>
-          <a:ln>
-            <a:tailEnd type="triangle"/>
-          </a:ln>
-          <a:effectLst/>
-        </p:spPr>
-        <p:style>
-          <a:lnRef idx="2">
-            <a:schemeClr val="accent1"/>
-          </a:lnRef>
-          <a:fillRef idx="0">
-            <a:schemeClr val="accent1"/>
-          </a:fillRef>
-          <a:effectRef idx="1">
-            <a:schemeClr val="accent1"/>
-          </a:effectRef>
-          <a:fontRef idx="minor">
-            <a:schemeClr val="tx1"/>
-          </a:fontRef>
-        </p:style>
-      </p:cxnSp>
-      <p:cxnSp>
-        <p:nvCxnSpPr>
-          <p:cNvPr id="26" name="Straight Arrow Connector 25">
-            <a:extLst>
-              <a:ext uri="{FF2B5EF4-FFF2-40B4-BE49-F238E27FC236}">
-                <a16:creationId xmlns:a16="http://schemas.microsoft.com/office/drawing/2014/main" id="{E68FE10D-9B11-C662-DFAF-6A8A3A954B22}"/>
-              </a:ext>
-            </a:extLst>
-          </p:cNvPr>
-          <p:cNvCxnSpPr>
-            <a:cxnSpLocks/>
-          </p:cNvCxnSpPr>
-          <p:nvPr/>
-        </p:nvCxnSpPr>
-        <p:spPr>
-          <a:xfrm flipV="1">
-            <a:off x="4423409" y="4365662"/>
-            <a:ext cx="34291" cy="718902"/>
-          </a:xfrm>
-          <a:prstGeom prst="straightConnector1">
-            <a:avLst/>
-          </a:prstGeom>
-          <a:ln>
-            <a:tailEnd type="triangle"/>
-          </a:ln>
-          <a:effectLst/>
-        </p:spPr>
-        <p:style>
-          <a:lnRef idx="2">
-            <a:schemeClr val="accent1"/>
-          </a:lnRef>
-          <a:fillRef idx="0">
-            <a:schemeClr val="accent1"/>
-          </a:fillRef>
-          <a:effectRef idx="1">
-            <a:schemeClr val="accent1"/>
-          </a:effectRef>
-          <a:fontRef idx="minor">
-            <a:schemeClr val="tx1"/>
-          </a:fontRef>
-        </p:style>
-      </p:cxnSp>
-      <p:cxnSp>
-        <p:nvCxnSpPr>
-          <p:cNvPr id="28" name="Straight Arrow Connector 27">
-            <a:extLst>
-              <a:ext uri="{FF2B5EF4-FFF2-40B4-BE49-F238E27FC236}">
-                <a16:creationId xmlns:a16="http://schemas.microsoft.com/office/drawing/2014/main" id="{486F3578-7D6B-11ED-F651-AB5EDAE66DFA}"/>
-              </a:ext>
-            </a:extLst>
-          </p:cNvPr>
-          <p:cNvCxnSpPr>
-            <a:cxnSpLocks/>
-          </p:cNvCxnSpPr>
-          <p:nvPr/>
-        </p:nvCxnSpPr>
-        <p:spPr>
-          <a:xfrm flipH="1" flipV="1">
-            <a:off x="4171950" y="2862021"/>
-            <a:ext cx="198118" cy="927323"/>
-          </a:xfrm>
-          <a:prstGeom prst="straightConnector1">
-            <a:avLst/>
-          </a:prstGeom>
-          <a:ln>
-            <a:tailEnd type="triangle"/>
-          </a:ln>
-          <a:effectLst/>
-        </p:spPr>
-        <p:style>
-          <a:lnRef idx="2">
-            <a:schemeClr val="accent1"/>
-          </a:lnRef>
-          <a:fillRef idx="0">
-            <a:schemeClr val="accent1"/>
-          </a:fillRef>
-          <a:effectRef idx="1">
-            <a:schemeClr val="accent1"/>
-          </a:effectRef>
-          <a:fontRef idx="minor">
-            <a:schemeClr val="tx1"/>
-          </a:fontRef>
-        </p:style>
-      </p:cxnSp>
-      <p:cxnSp>
-        <p:nvCxnSpPr>
-          <p:cNvPr id="30" name="Straight Arrow Connector 29">
-            <a:extLst>
-              <a:ext uri="{FF2B5EF4-FFF2-40B4-BE49-F238E27FC236}">
-                <a16:creationId xmlns:a16="http://schemas.microsoft.com/office/drawing/2014/main" id="{8A6B8B80-A1A2-BC1C-DC64-2FD1CB670448}"/>
-              </a:ext>
-            </a:extLst>
-          </p:cNvPr>
-          <p:cNvCxnSpPr>
-            <a:cxnSpLocks/>
-            <a:endCxn id="5" idx="3"/>
-          </p:cNvCxnSpPr>
-          <p:nvPr/>
-        </p:nvCxnSpPr>
-        <p:spPr>
-          <a:xfrm flipV="1">
-            <a:off x="4625336" y="3195791"/>
-            <a:ext cx="633263" cy="697764"/>
-          </a:xfrm>
-          <a:prstGeom prst="straightConnector1">
-            <a:avLst/>
-          </a:prstGeom>
-          <a:ln>
-            <a:tailEnd type="triangle"/>
-          </a:ln>
-          <a:effectLst/>
-        </p:spPr>
-        <p:style>
-          <a:lnRef idx="2">
-            <a:schemeClr val="accent1"/>
-          </a:lnRef>
-          <a:fillRef idx="0">
-            <a:schemeClr val="accent1"/>
-          </a:fillRef>
-          <a:effectRef idx="1">
-            <a:schemeClr val="accent1"/>
-          </a:effectRef>
-          <a:fontRef idx="minor">
-            <a:schemeClr val="tx1"/>
-          </a:fontRef>
-        </p:style>
-      </p:cxnSp>
-      <p:cxnSp>
-        <p:nvCxnSpPr>
-          <p:cNvPr id="32" name="Straight Arrow Connector 31">
-            <a:extLst>
-              <a:ext uri="{FF2B5EF4-FFF2-40B4-BE49-F238E27FC236}">
-                <a16:creationId xmlns:a16="http://schemas.microsoft.com/office/drawing/2014/main" id="{AAAF8A5A-069F-E9B4-19E7-B10C7197DF13}"/>
-              </a:ext>
-            </a:extLst>
-          </p:cNvPr>
-          <p:cNvCxnSpPr>
-            <a:cxnSpLocks/>
-          </p:cNvCxnSpPr>
-          <p:nvPr/>
-        </p:nvCxnSpPr>
-        <p:spPr>
-          <a:xfrm flipH="1">
-            <a:off x="6598122" y="2848805"/>
-            <a:ext cx="433234" cy="694495"/>
-          </a:xfrm>
-          <a:prstGeom prst="straightConnector1">
-            <a:avLst/>
-          </a:prstGeom>
-          <a:ln>
-            <a:tailEnd type="triangle"/>
-          </a:ln>
-          <a:effectLst/>
-        </p:spPr>
-        <p:style>
-          <a:lnRef idx="2">
-            <a:schemeClr val="accent1"/>
-          </a:lnRef>
-          <a:fillRef idx="0">
-            <a:schemeClr val="accent1"/>
-          </a:fillRef>
-          <a:effectRef idx="1">
-            <a:schemeClr val="accent1"/>
-          </a:effectRef>
-          <a:fontRef idx="minor">
-            <a:schemeClr val="tx1"/>
-          </a:fontRef>
-        </p:style>
-      </p:cxnSp>
+        </p:nvSpPr>
+        <p:spPr>
+          <a:xfrm>
+            <a:off x="233563" y="4054158"/>
+            <a:ext cx="2732955" cy="2585323"/>
+          </a:xfrm>
+          <a:prstGeom prst="rect">
+            <a:avLst/>
+          </a:prstGeom>
+          <a:solidFill>
+            <a:schemeClr val="accent1">
+              <a:lumMod val="20000"/>
+              <a:lumOff val="80000"/>
+            </a:schemeClr>
+          </a:solidFill>
+        </p:spPr>
+        <p:txBody>
+          <a:bodyPr wrap="square" rtlCol="0">
+            <a:spAutoFit/>
+          </a:bodyPr>
+          <a:lstStyle/>
+          <a:p>
+            <a:r>
+              <a:rPr lang="en-US" b="1" dirty="0"/>
+              <a:t>Individual-based model</a:t>
+            </a:r>
+            <a:br>
+              <a:rPr lang="en-US" b="1" dirty="0"/>
+            </a:br>
+            <a:endParaRPr lang="en-US" b="1" dirty="0"/>
+          </a:p>
+          <a:p>
+            <a:r>
+              <a:rPr lang="en-US" dirty="0"/>
+              <a:t>Tracks each individual, each with their own epidemiological characteristics; this model class also introduces the idea of randomness</a:t>
+            </a:r>
+          </a:p>
+          <a:p>
+            <a:endParaRPr lang="en-US" dirty="0"/>
+          </a:p>
+        </p:txBody>
+      </p:sp>
     </p:spTree>
     <p:extLst>
       <p:ext uri="{BB962C8B-B14F-4D97-AF65-F5344CB8AC3E}">
-        <p14:creationId xmlns:p14="http://schemas.microsoft.com/office/powerpoint/2010/main" val="3879909018"/>
+        <p14:creationId xmlns:p14="http://schemas.microsoft.com/office/powerpoint/2010/main" val="3742888972"/>
       </p:ext>
     </p:extLst>
   </p:cSld>
